--- a/CHING JIAN/AppInventor/03_你的BMI正常嗎.pptx
+++ b/CHING JIAN/AppInventor/03_你的BMI正常嗎.pptx
@@ -25,7 +25,12 @@
     <p:sldId id="371" r:id="rId19"/>
     <p:sldId id="372" r:id="rId20"/>
     <p:sldId id="373" r:id="rId21"/>
-    <p:sldId id="374" r:id="rId22"/>
+    <p:sldId id="379" r:id="rId22"/>
+    <p:sldId id="374" r:id="rId23"/>
+    <p:sldId id="375" r:id="rId24"/>
+    <p:sldId id="376" r:id="rId25"/>
+    <p:sldId id="377" r:id="rId26"/>
+    <p:sldId id="378" r:id="rId27"/>
   </p:sldIdLst>
   <p:sldSz cx="12192000" cy="6858000"/>
   <p:notesSz cx="6858000" cy="9144000"/>
@@ -313,7 +318,7 @@
           <a:p>
             <a:fld id="{48A87A34-81AB-432B-8DAE-1953F412C126}" type="datetimeFigureOut">
               <a:rPr lang="en-US" dirty="0"/>
-              <a:t>12/20/2020</a:t>
+              <a:t>12/21/2020</a:t>
             </a:fld>
             <a:endParaRPr lang="en-US" dirty="0"/>
           </a:p>
@@ -575,7 +580,7 @@
           <a:p>
             <a:fld id="{48A87A34-81AB-432B-8DAE-1953F412C126}" type="datetimeFigureOut">
               <a:rPr lang="en-US" dirty="0"/>
-              <a:t>12/20/2020</a:t>
+              <a:t>12/21/2020</a:t>
             </a:fld>
             <a:endParaRPr lang="en-US" dirty="0"/>
           </a:p>
@@ -802,7 +807,7 @@
             <a:fld id="{48A87A34-81AB-432B-8DAE-1953F412C126}" type="datetimeFigureOut">
               <a:rPr lang="en-US" dirty="0"/>
               <a:pPr/>
-              <a:t>12/20/2020</a:t>
+              <a:t>12/21/2020</a:t>
             </a:fld>
             <a:endParaRPr lang="en-US" dirty="0"/>
           </a:p>
@@ -1108,7 +1113,7 @@
             <a:fld id="{48A87A34-81AB-432B-8DAE-1953F412C126}" type="datetimeFigureOut">
               <a:rPr lang="en-US" dirty="0"/>
               <a:pPr/>
-              <a:t>12/20/2020</a:t>
+              <a:t>12/21/2020</a:t>
             </a:fld>
             <a:endParaRPr lang="en-US" dirty="0"/>
           </a:p>
@@ -1577,7 +1582,7 @@
             <a:fld id="{48A87A34-81AB-432B-8DAE-1953F412C126}" type="datetimeFigureOut">
               <a:rPr lang="en-US" dirty="0"/>
               <a:pPr/>
-              <a:t>12/20/2020</a:t>
+              <a:t>12/21/2020</a:t>
             </a:fld>
             <a:endParaRPr lang="en-US" dirty="0"/>
           </a:p>
@@ -2119,7 +2124,7 @@
           <a:p>
             <a:fld id="{48A87A34-81AB-432B-8DAE-1953F412C126}" type="datetimeFigureOut">
               <a:rPr lang="en-US" dirty="0"/>
-              <a:t>12/20/2020</a:t>
+              <a:t>12/21/2020</a:t>
             </a:fld>
             <a:endParaRPr lang="en-US" dirty="0"/>
           </a:p>
@@ -2888,7 +2893,7 @@
           <a:p>
             <a:fld id="{48A87A34-81AB-432B-8DAE-1953F412C126}" type="datetimeFigureOut">
               <a:rPr lang="en-US" dirty="0"/>
-              <a:t>12/20/2020</a:t>
+              <a:t>12/21/2020</a:t>
             </a:fld>
             <a:endParaRPr lang="en-US" dirty="0"/>
           </a:p>
@@ -3058,7 +3063,7 @@
           <a:p>
             <a:fld id="{48A87A34-81AB-432B-8DAE-1953F412C126}" type="datetimeFigureOut">
               <a:rPr lang="en-US" dirty="0"/>
-              <a:t>12/20/2020</a:t>
+              <a:t>12/21/2020</a:t>
             </a:fld>
             <a:endParaRPr lang="en-US" dirty="0"/>
           </a:p>
@@ -3277,7 +3282,7 @@
             <a:fld id="{48A87A34-81AB-432B-8DAE-1953F412C126}" type="datetimeFigureOut">
               <a:rPr lang="en-US" dirty="0"/>
               <a:pPr/>
-              <a:t>12/20/2020</a:t>
+              <a:t>12/21/2020</a:t>
             </a:fld>
             <a:endParaRPr lang="en-US" dirty="0"/>
           </a:p>
@@ -3452,7 +3457,7 @@
           <a:p>
             <a:fld id="{48A87A34-81AB-432B-8DAE-1953F412C126}" type="datetimeFigureOut">
               <a:rPr lang="en-US" dirty="0"/>
-              <a:t>12/20/2020</a:t>
+              <a:t>12/21/2020</a:t>
             </a:fld>
             <a:endParaRPr lang="en-US" dirty="0"/>
           </a:p>
@@ -3737,7 +3742,7 @@
             <a:fld id="{48A87A34-81AB-432B-8DAE-1953F412C126}" type="datetimeFigureOut">
               <a:rPr lang="en-US" dirty="0"/>
               <a:pPr/>
-              <a:t>12/20/2020</a:t>
+              <a:t>12/21/2020</a:t>
             </a:fld>
             <a:endParaRPr lang="en-US" dirty="0"/>
           </a:p>
@@ -3974,7 +3979,7 @@
           <a:p>
             <a:fld id="{48A87A34-81AB-432B-8DAE-1953F412C126}" type="datetimeFigureOut">
               <a:rPr lang="en-US" dirty="0"/>
-              <a:t>12/20/2020</a:t>
+              <a:t>12/21/2020</a:t>
             </a:fld>
             <a:endParaRPr lang="en-US" dirty="0"/>
           </a:p>
@@ -4348,7 +4353,7 @@
           <a:p>
             <a:fld id="{48A87A34-81AB-432B-8DAE-1953F412C126}" type="datetimeFigureOut">
               <a:rPr lang="en-US" dirty="0"/>
-              <a:t>12/20/2020</a:t>
+              <a:t>12/21/2020</a:t>
             </a:fld>
             <a:endParaRPr lang="en-US" dirty="0"/>
           </a:p>
@@ -4461,7 +4466,7 @@
           <a:p>
             <a:fld id="{48A87A34-81AB-432B-8DAE-1953F412C126}" type="datetimeFigureOut">
               <a:rPr lang="en-US" dirty="0"/>
-              <a:t>12/20/2020</a:t>
+              <a:t>12/21/2020</a:t>
             </a:fld>
             <a:endParaRPr lang="en-US" dirty="0"/>
           </a:p>
@@ -4551,7 +4556,7 @@
           <a:p>
             <a:fld id="{48A87A34-81AB-432B-8DAE-1953F412C126}" type="datetimeFigureOut">
               <a:rPr lang="en-US" dirty="0"/>
-              <a:t>12/20/2020</a:t>
+              <a:t>12/21/2020</a:t>
             </a:fld>
             <a:endParaRPr lang="en-US" dirty="0"/>
           </a:p>
@@ -4795,7 +4800,7 @@
           <a:p>
             <a:fld id="{48A87A34-81AB-432B-8DAE-1953F412C126}" type="datetimeFigureOut">
               <a:rPr lang="en-US" dirty="0"/>
-              <a:t>12/20/2020</a:t>
+              <a:t>12/21/2020</a:t>
             </a:fld>
             <a:endParaRPr lang="en-US" dirty="0"/>
           </a:p>
@@ -5047,7 +5052,7 @@
           <a:p>
             <a:fld id="{48A87A34-81AB-432B-8DAE-1953F412C126}" type="datetimeFigureOut">
               <a:rPr lang="en-US" dirty="0"/>
-              <a:t>12/20/2020</a:t>
+              <a:t>12/21/2020</a:t>
             </a:fld>
             <a:endParaRPr lang="en-US" dirty="0"/>
           </a:p>
@@ -5286,7 +5291,7 @@
             <a:fld id="{48A87A34-81AB-432B-8DAE-1953F412C126}" type="datetimeFigureOut">
               <a:rPr lang="en-US" dirty="0"/>
               <a:pPr/>
-              <a:t>12/20/2020</a:t>
+              <a:t>12/21/2020</a:t>
             </a:fld>
             <a:endParaRPr lang="en-US" dirty="0"/>
           </a:p>
@@ -5734,7 +5739,7 @@
             </a:pPr>
             <a:fld id="{4844D8D4-723F-40A6-B98F-A2C2312E33A8}" type="datetime5">
               <a:rPr lang="zh-TW" altLang="en-US" smtClean="0"/>
-              <a:t>2020年12月20日星期日</a:t>
+              <a:t>2020年12月21日星期一</a:t>
             </a:fld>
             <a:endParaRPr lang="zh-TW" altLang="en-US" dirty="0"/>
           </a:p>
@@ -5770,7 +5775,6 @@
               <a:rPr lang="zh-TW" altLang="en-US" sz="5400" dirty="0" smtClean="0"/>
               <a:t>正常嗎？</a:t>
             </a:r>
-            <a:endParaRPr lang="zh-TW" altLang="en-US" sz="5400" dirty="0" smtClean="0"/>
           </a:p>
         </p:txBody>
       </p:sp>
@@ -5919,11 +5923,7 @@
             <a:pPr algn="ctr"/>
             <a:r>
               <a:rPr lang="zh-TW" altLang="en-US" dirty="0" smtClean="0"/>
-              <a:t>先點選</a:t>
-            </a:r>
-            <a:r>
-              <a:rPr lang="zh-TW" altLang="en-US" dirty="0" smtClean="0"/>
-              <a:t>開</a:t>
+              <a:t>先點選開</a:t>
             </a:r>
             <a:endParaRPr lang="en-US" altLang="zh-TW" dirty="0" smtClean="0"/>
           </a:p>
@@ -5933,7 +5933,6 @@
               <a:rPr lang="zh-TW" altLang="en-US" dirty="0"/>
               <a:t>使用者介面</a:t>
             </a:r>
-            <a:endParaRPr lang="zh-TW" altLang="en-US" dirty="0"/>
           </a:p>
         </p:txBody>
       </p:sp>
@@ -5989,7 +5988,6 @@
               <a:rPr lang="zh-TW" altLang="en-US" dirty="0"/>
               <a:t>標籤</a:t>
             </a:r>
-            <a:endParaRPr lang="zh-TW" altLang="en-US" dirty="0"/>
           </a:p>
         </p:txBody>
       </p:sp>
@@ -8706,8 +8704,8 @@
           </a:p>
         </p:txBody>
       </p:sp>
-      <mc:AlternateContent xmlns:mc="http://schemas.openxmlformats.org/markup-compatibility/2006">
-        <mc:Choice xmlns:a14="http://schemas.microsoft.com/office/drawing/2010/main" Requires="a14">
+      <mc:AlternateContent xmlns:mc="http://schemas.openxmlformats.org/markup-compatibility/2006" xmlns:a14="http://schemas.microsoft.com/office/drawing/2010/main">
+        <mc:Choice Requires="a14">
           <p:sp>
             <p:nvSpPr>
               <p:cNvPr id="3" name="內容版面配置區 2"/>
@@ -8827,7 +8825,7 @@
             </p:txBody>
           </p:sp>
         </mc:Choice>
-        <mc:Fallback>
+        <mc:Fallback xmlns="">
           <p:sp>
             <p:nvSpPr>
               <p:cNvPr id="3" name="內容版面配置區 2"/>
@@ -9094,8 +9092,8 @@
           </a:p>
         </p:txBody>
       </p:sp>
-      <mc:AlternateContent xmlns:mc="http://schemas.openxmlformats.org/markup-compatibility/2006">
-        <mc:Choice xmlns:a14="http://schemas.microsoft.com/office/drawing/2010/main" Requires="a14">
+      <mc:AlternateContent xmlns:mc="http://schemas.openxmlformats.org/markup-compatibility/2006" xmlns:a14="http://schemas.microsoft.com/office/drawing/2010/main">
+        <mc:Choice Requires="a14">
           <p:sp>
             <p:nvSpPr>
               <p:cNvPr id="3" name="內容版面配置區 2"/>
@@ -9304,7 +9302,7 @@
             </p:txBody>
           </p:sp>
         </mc:Choice>
-        <mc:Fallback>
+        <mc:Fallback xmlns="">
           <p:sp>
             <p:nvSpPr>
               <p:cNvPr id="3" name="內容版面配置區 2"/>
@@ -9489,7 +9487,7 @@
       </p:grpSpPr>
       <p:sp>
         <p:nvSpPr>
-          <p:cNvPr id="2" name="標題 1"/>
+          <p:cNvPr id="4" name="標題 3"/>
           <p:cNvSpPr>
             <a:spLocks noGrp="1"/>
           </p:cNvSpPr>
@@ -9502,26 +9500,521 @@
           <a:bodyPr/>
           <a:lstStyle/>
           <a:p>
+            <a:r>
+              <a:rPr lang="zh-TW" altLang="en-US" dirty="0" smtClean="0"/>
+              <a:t>手機講話的方式</a:t>
+            </a:r>
+            <a:endParaRPr lang="zh-TW" altLang="en-US" dirty="0"/>
+          </a:p>
+        </p:txBody>
+      </p:sp>
+      <p:sp>
+        <p:nvSpPr>
+          <p:cNvPr id="5" name="內容版面配置區 4"/>
+          <p:cNvSpPr>
+            <a:spLocks noGrp="1"/>
+          </p:cNvSpPr>
+          <p:nvPr>
+            <p:ph idx="1"/>
+          </p:nvPr>
+        </p:nvSpPr>
+        <p:spPr/>
+        <p:txBody>
+          <a:bodyPr/>
+          <a:lstStyle/>
+          <a:p>
+            <a:r>
+              <a:rPr lang="zh-TW" altLang="en-US" dirty="0" smtClean="0"/>
+              <a:t>第一類，預先錄製。</a:t>
+            </a:r>
+            <a:endParaRPr lang="en-US" altLang="zh-TW" dirty="0" smtClean="0"/>
+          </a:p>
+          <a:p>
+            <a:pPr lvl="1"/>
+            <a:r>
+              <a:rPr lang="zh-TW" altLang="en-US" dirty="0"/>
+              <a:t>先預錄好想講</a:t>
+            </a:r>
+            <a:r>
+              <a:rPr lang="zh-TW" altLang="en-US" dirty="0" smtClean="0"/>
+              <a:t>的話，到時候是需要播出相對應的聲音。</a:t>
+            </a:r>
+            <a:endParaRPr lang="en-US" altLang="zh-TW" dirty="0" smtClean="0"/>
+          </a:p>
+          <a:p>
+            <a:pPr lvl="1"/>
+            <a:r>
+              <a:rPr lang="en-US" altLang="zh-TW" dirty="0" smtClean="0"/>
+              <a:t>[</a:t>
+            </a:r>
+            <a:r>
+              <a:rPr lang="zh-TW" altLang="en-US" dirty="0" smtClean="0"/>
+              <a:t>音效</a:t>
+            </a:r>
+            <a:r>
+              <a:rPr lang="en-US" altLang="zh-TW" dirty="0" smtClean="0"/>
+              <a:t>]</a:t>
+            </a:r>
+            <a:r>
+              <a:rPr lang="zh-TW" altLang="en-US" dirty="0" smtClean="0"/>
+              <a:t>、</a:t>
+            </a:r>
+            <a:r>
+              <a:rPr lang="en-US" altLang="zh-TW" dirty="0" smtClean="0"/>
+              <a:t>[</a:t>
+            </a:r>
+            <a:r>
+              <a:rPr lang="zh-TW" altLang="en-US" dirty="0" smtClean="0"/>
+              <a:t>音樂</a:t>
+            </a:r>
+            <a:r>
+              <a:rPr lang="zh-TW" altLang="en-US" dirty="0"/>
+              <a:t>播放</a:t>
+            </a:r>
+            <a:r>
+              <a:rPr lang="zh-TW" altLang="en-US" dirty="0" smtClean="0"/>
+              <a:t>器</a:t>
+            </a:r>
+            <a:r>
+              <a:rPr lang="en-US" altLang="zh-TW" dirty="0" smtClean="0"/>
+              <a:t>]</a:t>
+            </a:r>
+            <a:r>
+              <a:rPr lang="zh-TW" altLang="en-US" dirty="0" smtClean="0"/>
+              <a:t>都</a:t>
+            </a:r>
+            <a:r>
+              <a:rPr lang="zh-TW" altLang="en-US" dirty="0"/>
+              <a:t>可以達成</a:t>
+            </a:r>
+            <a:r>
+              <a:rPr lang="zh-TW" altLang="en-US" dirty="0" smtClean="0"/>
+              <a:t>。</a:t>
+            </a:r>
+            <a:endParaRPr lang="en-US" altLang="zh-TW" dirty="0" smtClean="0"/>
+          </a:p>
+          <a:p>
+            <a:pPr lvl="1"/>
+            <a:endParaRPr lang="en-US" altLang="zh-TW" dirty="0"/>
+          </a:p>
+          <a:p>
+            <a:r>
+              <a:rPr lang="zh-TW" altLang="en-US" dirty="0" smtClean="0"/>
+              <a:t>第二種，使用</a:t>
+            </a:r>
+            <a:r>
+              <a:rPr lang="en-US" altLang="zh-TW" dirty="0" smtClean="0"/>
+              <a:t>[</a:t>
+            </a:r>
+            <a:r>
+              <a:rPr lang="zh-TW" altLang="en-US" dirty="0" smtClean="0"/>
+              <a:t>文字</a:t>
+            </a:r>
+            <a:r>
+              <a:rPr lang="zh-TW" altLang="en-US" dirty="0"/>
+              <a:t>語音</a:t>
+            </a:r>
+            <a:r>
+              <a:rPr lang="zh-TW" altLang="en-US" dirty="0" smtClean="0"/>
+              <a:t>轉換器</a:t>
+            </a:r>
+            <a:r>
+              <a:rPr lang="en-US" altLang="zh-TW" dirty="0" smtClean="0"/>
+              <a:t>]</a:t>
+            </a:r>
+            <a:r>
+              <a:rPr lang="zh-TW" altLang="en-US" dirty="0" smtClean="0"/>
+              <a:t>。</a:t>
+            </a:r>
+            <a:endParaRPr lang="en-US" altLang="zh-TW" dirty="0" smtClean="0"/>
+          </a:p>
+          <a:p>
+            <a:pPr lvl="1"/>
+            <a:r>
+              <a:rPr lang="zh-TW" altLang="en-US" dirty="0" smtClean="0"/>
+              <a:t>就是讓</a:t>
+            </a:r>
+            <a:r>
+              <a:rPr lang="en-US" altLang="zh-TW" dirty="0" smtClean="0"/>
+              <a:t>Google</a:t>
+            </a:r>
+            <a:r>
+              <a:rPr lang="zh-TW" altLang="en-US" dirty="0" smtClean="0"/>
+              <a:t>小姐幫你講講話。</a:t>
+            </a:r>
+            <a:endParaRPr lang="en-US" altLang="zh-TW" dirty="0" smtClean="0"/>
+          </a:p>
+          <a:p>
+            <a:pPr lvl="1"/>
+            <a:r>
+              <a:rPr lang="zh-TW" altLang="en-US" dirty="0" smtClean="0"/>
+              <a:t>給她文字</a:t>
+            </a:r>
+            <a:r>
+              <a:rPr lang="zh-TW" altLang="en-US" dirty="0"/>
+              <a:t>，他就會照稿念</a:t>
+            </a:r>
+            <a:r>
+              <a:rPr lang="zh-TW" altLang="en-US" dirty="0" smtClean="0"/>
+              <a:t>。</a:t>
+            </a:r>
+            <a:endParaRPr lang="en-US" altLang="zh-TW" dirty="0" smtClean="0"/>
+          </a:p>
+          <a:p>
+            <a:pPr lvl="1"/>
+            <a:r>
+              <a:rPr lang="zh-TW" altLang="en-US" dirty="0"/>
+              <a:t>可以說很搞笑的</a:t>
+            </a:r>
+            <a:r>
+              <a:rPr lang="zh-TW" altLang="en-US" dirty="0" smtClean="0"/>
+              <a:t>台語</a:t>
+            </a:r>
+            <a:r>
+              <a:rPr lang="en-US" altLang="zh-TW" dirty="0" smtClean="0"/>
+              <a:t>……….</a:t>
+            </a:r>
+            <a:r>
+              <a:rPr lang="zh-TW" altLang="en-US" dirty="0" smtClean="0"/>
+              <a:t>襪矮力</a:t>
+            </a:r>
+            <a:endParaRPr lang="zh-TW" altLang="en-US" dirty="0"/>
+          </a:p>
+        </p:txBody>
+      </p:sp>
+    </p:spTree>
+    <p:extLst>
+      <p:ext uri="{BB962C8B-B14F-4D97-AF65-F5344CB8AC3E}">
+        <p14:creationId xmlns:p14="http://schemas.microsoft.com/office/powerpoint/2010/main" val="505888072"/>
+      </p:ext>
+    </p:extLst>
+  </p:cSld>
+  <p:clrMapOvr>
+    <a:masterClrMapping/>
+  </p:clrMapOvr>
+  <p:timing>
+    <p:tnLst>
+      <p:par>
+        <p:cTn id="1" dur="indefinite" restart="never" nodeType="tmRoot"/>
+      </p:par>
+    </p:tnLst>
+  </p:timing>
+</p:sld>
+</file>
+
+<file path=ppt/slides/slide22.xml><?xml version="1.0" encoding="utf-8"?>
+<p:sld xmlns:a="http://schemas.openxmlformats.org/drawingml/2006/main" xmlns:r="http://schemas.openxmlformats.org/officeDocument/2006/relationships" xmlns:p="http://schemas.openxmlformats.org/presentationml/2006/main">
+  <p:cSld>
+    <p:spTree>
+      <p:nvGrpSpPr>
+        <p:cNvPr id="1" name=""/>
+        <p:cNvGrpSpPr/>
+        <p:nvPr/>
+      </p:nvGrpSpPr>
+      <p:grpSpPr>
+        <a:xfrm>
+          <a:off x="0" y="0"/>
+          <a:ext cx="0" cy="0"/>
+          <a:chOff x="0" y="0"/>
+          <a:chExt cx="0" cy="0"/>
+        </a:xfrm>
+      </p:grpSpPr>
+      <p:sp>
+        <p:nvSpPr>
+          <p:cNvPr id="4" name="標題 3"/>
+          <p:cNvSpPr>
+            <a:spLocks noGrp="1"/>
+          </p:cNvSpPr>
+          <p:nvPr>
+            <p:ph type="title"/>
+          </p:nvPr>
+        </p:nvSpPr>
+        <p:spPr/>
+        <p:txBody>
+          <a:bodyPr/>
+          <a:lstStyle/>
+          <a:p>
+            <a:r>
+              <a:rPr lang="zh-TW" altLang="en-US" dirty="0" smtClean="0"/>
+              <a:t>來用用文字語音轉換器</a:t>
+            </a:r>
+            <a:r>
+              <a:rPr lang="en-US" altLang="zh-TW" dirty="0" smtClean="0"/>
+              <a:t>1</a:t>
+            </a:r>
+            <a:endParaRPr lang="zh-TW" altLang="en-US" dirty="0"/>
+          </a:p>
+        </p:txBody>
+      </p:sp>
+      <p:sp>
+        <p:nvSpPr>
+          <p:cNvPr id="5" name="內容版面配置區 4"/>
+          <p:cNvSpPr>
+            <a:spLocks noGrp="1"/>
+          </p:cNvSpPr>
+          <p:nvPr>
+            <p:ph idx="1"/>
+          </p:nvPr>
+        </p:nvSpPr>
+        <p:spPr/>
+        <p:txBody>
+          <a:bodyPr/>
+          <a:lstStyle/>
+          <a:p>
             <a:endParaRPr lang="zh-TW" altLang="en-US"/>
           </a:p>
         </p:txBody>
       </p:sp>
-      <p:sp>
-        <p:nvSpPr>
-          <p:cNvPr id="3" name="文字版面配置區 2"/>
-          <p:cNvSpPr>
-            <a:spLocks noGrp="1"/>
-          </p:cNvSpPr>
-          <p:nvPr>
-            <p:ph type="body" sz="half" idx="2"/>
-          </p:nvPr>
-        </p:nvSpPr>
-        <p:spPr/>
-        <p:txBody>
-          <a:bodyPr/>
-          <a:lstStyle/>
-          <a:p>
-            <a:endParaRPr lang="zh-TW" altLang="en-US"/>
+      <p:pic>
+        <p:nvPicPr>
+          <p:cNvPr id="6" name="圖片 5"/>
+          <p:cNvPicPr>
+            <a:picLocks noChangeAspect="1"/>
+          </p:cNvPicPr>
+          <p:nvPr/>
+        </p:nvPicPr>
+        <p:blipFill>
+          <a:blip r:embed="rId2"/>
+          <a:stretch>
+            <a:fillRect/>
+          </a:stretch>
+        </p:blipFill>
+        <p:spPr>
+          <a:xfrm>
+            <a:off x="2699575" y="1738871"/>
+            <a:ext cx="7212521" cy="4776609"/>
+          </a:xfrm>
+          <a:prstGeom prst="rect">
+            <a:avLst/>
+          </a:prstGeom>
+        </p:spPr>
+      </p:pic>
+      <p:sp>
+        <p:nvSpPr>
+          <p:cNvPr id="7" name="圓角矩形圖說文字 6"/>
+          <p:cNvSpPr/>
+          <p:nvPr/>
+        </p:nvSpPr>
+        <p:spPr>
+          <a:xfrm>
+            <a:off x="653143" y="2493279"/>
+            <a:ext cx="1483567" cy="853659"/>
+          </a:xfrm>
+          <a:prstGeom prst="wedgeRoundRectCallout">
+            <a:avLst>
+              <a:gd name="adj1" fmla="val 88662"/>
+              <a:gd name="adj2" fmla="val 22346"/>
+              <a:gd name="adj3" fmla="val 16667"/>
+            </a:avLst>
+          </a:prstGeom>
+        </p:spPr>
+        <p:style>
+          <a:lnRef idx="2">
+            <a:schemeClr val="accent1">
+              <a:shade val="50000"/>
+            </a:schemeClr>
+          </a:lnRef>
+          <a:fillRef idx="1">
+            <a:schemeClr val="accent1"/>
+          </a:fillRef>
+          <a:effectRef idx="0">
+            <a:schemeClr val="accent1"/>
+          </a:effectRef>
+          <a:fontRef idx="minor">
+            <a:schemeClr val="lt1"/>
+          </a:fontRef>
+        </p:style>
+        <p:txBody>
+          <a:bodyPr rtlCol="0" anchor="ctr"/>
+          <a:lstStyle/>
+          <a:p>
+            <a:pPr algn="ctr"/>
+            <a:r>
+              <a:rPr lang="zh-TW" altLang="en-US" dirty="0" smtClean="0"/>
+              <a:t>先點選開</a:t>
+            </a:r>
+            <a:endParaRPr lang="en-US" altLang="zh-TW" dirty="0" smtClean="0"/>
+          </a:p>
+          <a:p>
+            <a:pPr algn="ctr"/>
+            <a:r>
+              <a:rPr lang="zh-TW" altLang="en-US" dirty="0"/>
+              <a:t>多媒體</a:t>
+            </a:r>
+            <a:endParaRPr lang="zh-TW" altLang="en-US" dirty="0"/>
+          </a:p>
+        </p:txBody>
+      </p:sp>
+      <p:sp>
+        <p:nvSpPr>
+          <p:cNvPr id="8" name="圓角矩形圖說文字 7"/>
+          <p:cNvSpPr/>
+          <p:nvPr/>
+        </p:nvSpPr>
+        <p:spPr>
+          <a:xfrm>
+            <a:off x="393193" y="5224287"/>
+            <a:ext cx="1905062" cy="853659"/>
+          </a:xfrm>
+          <a:prstGeom prst="wedgeRoundRectCallout">
+            <a:avLst>
+              <a:gd name="adj1" fmla="val 88662"/>
+              <a:gd name="adj2" fmla="val 22346"/>
+              <a:gd name="adj3" fmla="val 16667"/>
+            </a:avLst>
+          </a:prstGeom>
+        </p:spPr>
+        <p:style>
+          <a:lnRef idx="2">
+            <a:schemeClr val="accent1">
+              <a:shade val="50000"/>
+            </a:schemeClr>
+          </a:lnRef>
+          <a:fillRef idx="1">
+            <a:schemeClr val="accent1"/>
+          </a:fillRef>
+          <a:effectRef idx="0">
+            <a:schemeClr val="accent1"/>
+          </a:effectRef>
+          <a:fontRef idx="minor">
+            <a:schemeClr val="lt1"/>
+          </a:fontRef>
+        </p:style>
+        <p:txBody>
+          <a:bodyPr rtlCol="0" anchor="ctr"/>
+          <a:lstStyle/>
+          <a:p>
+            <a:pPr algn="ctr"/>
+            <a:r>
+              <a:rPr lang="zh-TW" altLang="en-US" dirty="0" smtClean="0"/>
+              <a:t>再點選</a:t>
+            </a:r>
+            <a:endParaRPr lang="en-US" altLang="zh-TW" dirty="0" smtClean="0"/>
+          </a:p>
+          <a:p>
+            <a:pPr algn="ctr"/>
+            <a:r>
+              <a:rPr lang="zh-TW" altLang="en-US" dirty="0"/>
+              <a:t>文字語音轉換器</a:t>
+            </a:r>
+            <a:endParaRPr lang="zh-TW" altLang="en-US" dirty="0"/>
+          </a:p>
+        </p:txBody>
+      </p:sp>
+      <p:pic>
+        <p:nvPicPr>
+          <p:cNvPr id="9" name="圖片 8"/>
+          <p:cNvPicPr>
+            <a:picLocks noChangeAspect="1"/>
+          </p:cNvPicPr>
+          <p:nvPr/>
+        </p:nvPicPr>
+        <p:blipFill>
+          <a:blip r:embed="rId3"/>
+          <a:stretch>
+            <a:fillRect/>
+          </a:stretch>
+        </p:blipFill>
+        <p:spPr>
+          <a:xfrm>
+            <a:off x="5817044" y="3702192"/>
+            <a:ext cx="3260915" cy="1229785"/>
+          </a:xfrm>
+          <a:prstGeom prst="rect">
+            <a:avLst/>
+          </a:prstGeom>
+        </p:spPr>
+      </p:pic>
+      <p:cxnSp>
+        <p:nvCxnSpPr>
+          <p:cNvPr id="10" name="直線單箭頭接點 9"/>
+          <p:cNvCxnSpPr/>
+          <p:nvPr/>
+        </p:nvCxnSpPr>
+        <p:spPr>
+          <a:xfrm flipV="1">
+            <a:off x="4222940" y="4458560"/>
+            <a:ext cx="2324164" cy="1357025"/>
+          </a:xfrm>
+          <a:prstGeom prst="straightConnector1">
+            <a:avLst/>
+          </a:prstGeom>
+          <a:ln w="76200">
+            <a:solidFill>
+              <a:srgbClr val="FF0000"/>
+            </a:solidFill>
+            <a:prstDash val="dash"/>
+            <a:tailEnd type="triangle"/>
+          </a:ln>
+        </p:spPr>
+        <p:style>
+          <a:lnRef idx="1">
+            <a:schemeClr val="accent1"/>
+          </a:lnRef>
+          <a:fillRef idx="0">
+            <a:schemeClr val="accent1"/>
+          </a:fillRef>
+          <a:effectRef idx="0">
+            <a:schemeClr val="accent1"/>
+          </a:effectRef>
+          <a:fontRef idx="minor">
+            <a:schemeClr val="tx1"/>
+          </a:fontRef>
+        </p:style>
+      </p:cxnSp>
+      <p:sp>
+        <p:nvSpPr>
+          <p:cNvPr id="11" name="圓角矩形圖說文字 10"/>
+          <p:cNvSpPr/>
+          <p:nvPr/>
+        </p:nvSpPr>
+        <p:spPr>
+          <a:xfrm>
+            <a:off x="6968833" y="2438649"/>
+            <a:ext cx="1483567" cy="853659"/>
+          </a:xfrm>
+          <a:prstGeom prst="wedgeRoundRectCallout">
+            <a:avLst>
+              <a:gd name="adj1" fmla="val -36496"/>
+              <a:gd name="adj2" fmla="val 149136"/>
+              <a:gd name="adj3" fmla="val 16667"/>
+            </a:avLst>
+          </a:prstGeom>
+        </p:spPr>
+        <p:style>
+          <a:lnRef idx="2">
+            <a:schemeClr val="accent1">
+              <a:shade val="50000"/>
+            </a:schemeClr>
+          </a:lnRef>
+          <a:fillRef idx="1">
+            <a:schemeClr val="accent1"/>
+          </a:fillRef>
+          <a:effectRef idx="0">
+            <a:schemeClr val="accent1"/>
+          </a:effectRef>
+          <a:fontRef idx="minor">
+            <a:schemeClr val="lt1"/>
+          </a:fontRef>
+        </p:style>
+        <p:txBody>
+          <a:bodyPr rtlCol="0" anchor="ctr"/>
+          <a:lstStyle/>
+          <a:p>
+            <a:pPr algn="ctr"/>
+            <a:r>
+              <a:rPr lang="zh-TW" altLang="en-US" dirty="0" smtClean="0"/>
+              <a:t>隨意位置</a:t>
+            </a:r>
+            <a:endParaRPr lang="en-US" altLang="zh-TW" dirty="0" smtClean="0"/>
+          </a:p>
+          <a:p>
+            <a:pPr algn="ctr"/>
+            <a:r>
+              <a:rPr lang="zh-TW" altLang="en-US" dirty="0" smtClean="0"/>
+              <a:t>放下</a:t>
+            </a:r>
+            <a:endParaRPr lang="en-US" altLang="zh-TW" dirty="0" smtClean="0"/>
           </a:p>
         </p:txBody>
       </p:sp>
@@ -9529,6 +10022,1314 @@
     <p:extLst>
       <p:ext uri="{BB962C8B-B14F-4D97-AF65-F5344CB8AC3E}">
         <p14:creationId xmlns:p14="http://schemas.microsoft.com/office/powerpoint/2010/main" val="2384370698"/>
+      </p:ext>
+    </p:extLst>
+  </p:cSld>
+  <p:clrMapOvr>
+    <a:masterClrMapping/>
+  </p:clrMapOvr>
+  <p:timing>
+    <p:tnLst>
+      <p:par>
+        <p:cTn id="1" dur="indefinite" restart="never" nodeType="tmRoot">
+          <p:childTnLst>
+            <p:seq concurrent="1" nextAc="seek">
+              <p:cTn id="2" dur="indefinite" nodeType="mainSeq">
+                <p:childTnLst>
+                  <p:par>
+                    <p:cTn id="3" fill="hold">
+                      <p:stCondLst>
+                        <p:cond delay="indefinite"/>
+                      </p:stCondLst>
+                      <p:childTnLst>
+                        <p:par>
+                          <p:cTn id="4" fill="hold">
+                            <p:stCondLst>
+                              <p:cond delay="0"/>
+                            </p:stCondLst>
+                            <p:childTnLst>
+                              <p:par>
+                                <p:cTn id="5" presetID="1" presetClass="entr" presetSubtype="0" fill="hold" grpId="0" nodeType="clickEffect">
+                                  <p:stCondLst>
+                                    <p:cond delay="0"/>
+                                  </p:stCondLst>
+                                  <p:childTnLst>
+                                    <p:set>
+                                      <p:cBhvr>
+                                        <p:cTn id="6" dur="1" fill="hold">
+                                          <p:stCondLst>
+                                            <p:cond delay="0"/>
+                                          </p:stCondLst>
+                                        </p:cTn>
+                                        <p:tgtEl>
+                                          <p:spTgt spid="7"/>
+                                        </p:tgtEl>
+                                        <p:attrNameLst>
+                                          <p:attrName>style.visibility</p:attrName>
+                                        </p:attrNameLst>
+                                      </p:cBhvr>
+                                      <p:to>
+                                        <p:strVal val="visible"/>
+                                      </p:to>
+                                    </p:set>
+                                  </p:childTnLst>
+                                </p:cTn>
+                              </p:par>
+                            </p:childTnLst>
+                          </p:cTn>
+                        </p:par>
+                      </p:childTnLst>
+                    </p:cTn>
+                  </p:par>
+                  <p:par>
+                    <p:cTn id="7" fill="hold">
+                      <p:stCondLst>
+                        <p:cond delay="indefinite"/>
+                      </p:stCondLst>
+                      <p:childTnLst>
+                        <p:par>
+                          <p:cTn id="8" fill="hold">
+                            <p:stCondLst>
+                              <p:cond delay="0"/>
+                            </p:stCondLst>
+                            <p:childTnLst>
+                              <p:par>
+                                <p:cTn id="9" presetID="1" presetClass="entr" presetSubtype="0" fill="hold" grpId="0" nodeType="clickEffect">
+                                  <p:stCondLst>
+                                    <p:cond delay="0"/>
+                                  </p:stCondLst>
+                                  <p:childTnLst>
+                                    <p:set>
+                                      <p:cBhvr>
+                                        <p:cTn id="10" dur="1" fill="hold">
+                                          <p:stCondLst>
+                                            <p:cond delay="0"/>
+                                          </p:stCondLst>
+                                        </p:cTn>
+                                        <p:tgtEl>
+                                          <p:spTgt spid="8"/>
+                                        </p:tgtEl>
+                                        <p:attrNameLst>
+                                          <p:attrName>style.visibility</p:attrName>
+                                        </p:attrNameLst>
+                                      </p:cBhvr>
+                                      <p:to>
+                                        <p:strVal val="visible"/>
+                                      </p:to>
+                                    </p:set>
+                                  </p:childTnLst>
+                                </p:cTn>
+                              </p:par>
+                            </p:childTnLst>
+                          </p:cTn>
+                        </p:par>
+                      </p:childTnLst>
+                    </p:cTn>
+                  </p:par>
+                  <p:par>
+                    <p:cTn id="11" fill="hold">
+                      <p:stCondLst>
+                        <p:cond delay="indefinite"/>
+                      </p:stCondLst>
+                      <p:childTnLst>
+                        <p:par>
+                          <p:cTn id="12" fill="hold">
+                            <p:stCondLst>
+                              <p:cond delay="0"/>
+                            </p:stCondLst>
+                            <p:childTnLst>
+                              <p:par>
+                                <p:cTn id="13" presetID="1" presetClass="entr" presetSubtype="0" fill="hold" nodeType="clickEffect">
+                                  <p:stCondLst>
+                                    <p:cond delay="0"/>
+                                  </p:stCondLst>
+                                  <p:childTnLst>
+                                    <p:set>
+                                      <p:cBhvr>
+                                        <p:cTn id="14" dur="1" fill="hold">
+                                          <p:stCondLst>
+                                            <p:cond delay="0"/>
+                                          </p:stCondLst>
+                                        </p:cTn>
+                                        <p:tgtEl>
+                                          <p:spTgt spid="10"/>
+                                        </p:tgtEl>
+                                        <p:attrNameLst>
+                                          <p:attrName>style.visibility</p:attrName>
+                                        </p:attrNameLst>
+                                      </p:cBhvr>
+                                      <p:to>
+                                        <p:strVal val="visible"/>
+                                      </p:to>
+                                    </p:set>
+                                  </p:childTnLst>
+                                  <p:subTnLst>
+                                    <p:set>
+                                      <p:cBhvr override="childStyle">
+                                        <p:cTn dur="1" fill="hold" display="0" masterRel="nextClick" afterEffect="1"/>
+                                        <p:tgtEl>
+                                          <p:spTgt spid="10"/>
+                                        </p:tgtEl>
+                                        <p:attrNameLst>
+                                          <p:attrName>style.visibility</p:attrName>
+                                        </p:attrNameLst>
+                                      </p:cBhvr>
+                                      <p:to>
+                                        <p:strVal val="hidden"/>
+                                      </p:to>
+                                    </p:set>
+                                  </p:subTnLst>
+                                </p:cTn>
+                              </p:par>
+                              <p:par>
+                                <p:cTn id="15" presetID="1" presetClass="entr" presetSubtype="0" fill="hold" nodeType="withEffect">
+                                  <p:stCondLst>
+                                    <p:cond delay="0"/>
+                                  </p:stCondLst>
+                                  <p:childTnLst>
+                                    <p:set>
+                                      <p:cBhvr>
+                                        <p:cTn id="16" dur="1" fill="hold">
+                                          <p:stCondLst>
+                                            <p:cond delay="0"/>
+                                          </p:stCondLst>
+                                        </p:cTn>
+                                        <p:tgtEl>
+                                          <p:spTgt spid="9"/>
+                                        </p:tgtEl>
+                                        <p:attrNameLst>
+                                          <p:attrName>style.visibility</p:attrName>
+                                        </p:attrNameLst>
+                                      </p:cBhvr>
+                                      <p:to>
+                                        <p:strVal val="visible"/>
+                                      </p:to>
+                                    </p:set>
+                                  </p:childTnLst>
+                                  <p:subTnLst>
+                                    <p:set>
+                                      <p:cBhvr override="childStyle">
+                                        <p:cTn dur="1" fill="hold" display="0" masterRel="nextClick" afterEffect="1"/>
+                                        <p:tgtEl>
+                                          <p:spTgt spid="9"/>
+                                        </p:tgtEl>
+                                        <p:attrNameLst>
+                                          <p:attrName>style.visibility</p:attrName>
+                                        </p:attrNameLst>
+                                      </p:cBhvr>
+                                      <p:to>
+                                        <p:strVal val="hidden"/>
+                                      </p:to>
+                                    </p:set>
+                                  </p:subTnLst>
+                                </p:cTn>
+                              </p:par>
+                              <p:par>
+                                <p:cTn id="17" presetID="1" presetClass="entr" presetSubtype="0" fill="hold" grpId="0" nodeType="withEffect">
+                                  <p:stCondLst>
+                                    <p:cond delay="0"/>
+                                  </p:stCondLst>
+                                  <p:childTnLst>
+                                    <p:set>
+                                      <p:cBhvr>
+                                        <p:cTn id="18" dur="1" fill="hold">
+                                          <p:stCondLst>
+                                            <p:cond delay="0"/>
+                                          </p:stCondLst>
+                                        </p:cTn>
+                                        <p:tgtEl>
+                                          <p:spTgt spid="11"/>
+                                        </p:tgtEl>
+                                        <p:attrNameLst>
+                                          <p:attrName>style.visibility</p:attrName>
+                                        </p:attrNameLst>
+                                      </p:cBhvr>
+                                      <p:to>
+                                        <p:strVal val="visible"/>
+                                      </p:to>
+                                    </p:set>
+                                  </p:childTnLst>
+                                  <p:subTnLst>
+                                    <p:set>
+                                      <p:cBhvr override="childStyle">
+                                        <p:cTn dur="1" fill="hold" display="0" masterRel="nextClick" afterEffect="1"/>
+                                        <p:tgtEl>
+                                          <p:spTgt spid="11"/>
+                                        </p:tgtEl>
+                                        <p:attrNameLst>
+                                          <p:attrName>style.visibility</p:attrName>
+                                        </p:attrNameLst>
+                                      </p:cBhvr>
+                                      <p:to>
+                                        <p:strVal val="hidden"/>
+                                      </p:to>
+                                    </p:set>
+                                  </p:subTnLst>
+                                </p:cTn>
+                              </p:par>
+                            </p:childTnLst>
+                          </p:cTn>
+                        </p:par>
+                      </p:childTnLst>
+                    </p:cTn>
+                  </p:par>
+                </p:childTnLst>
+              </p:cTn>
+              <p:prevCondLst>
+                <p:cond evt="onPrev" delay="0">
+                  <p:tgtEl>
+                    <p:sldTgt/>
+                  </p:tgtEl>
+                </p:cond>
+              </p:prevCondLst>
+              <p:nextCondLst>
+                <p:cond evt="onNext" delay="0">
+                  <p:tgtEl>
+                    <p:sldTgt/>
+                  </p:tgtEl>
+                </p:cond>
+              </p:nextCondLst>
+            </p:seq>
+          </p:childTnLst>
+        </p:cTn>
+      </p:par>
+    </p:tnLst>
+    <p:bldLst>
+      <p:bldP spid="7" grpId="0" animBg="1"/>
+      <p:bldP spid="8" grpId="0" animBg="1"/>
+      <p:bldP spid="11" grpId="0" animBg="1"/>
+    </p:bldLst>
+  </p:timing>
+</p:sld>
+</file>
+
+<file path=ppt/slides/slide23.xml><?xml version="1.0" encoding="utf-8"?>
+<p:sld xmlns:a="http://schemas.openxmlformats.org/drawingml/2006/main" xmlns:r="http://schemas.openxmlformats.org/officeDocument/2006/relationships" xmlns:p="http://schemas.openxmlformats.org/presentationml/2006/main">
+  <p:cSld>
+    <p:spTree>
+      <p:nvGrpSpPr>
+        <p:cNvPr id="1" name=""/>
+        <p:cNvGrpSpPr/>
+        <p:nvPr/>
+      </p:nvGrpSpPr>
+      <p:grpSpPr>
+        <a:xfrm>
+          <a:off x="0" y="0"/>
+          <a:ext cx="0" cy="0"/>
+          <a:chOff x="0" y="0"/>
+          <a:chExt cx="0" cy="0"/>
+        </a:xfrm>
+      </p:grpSpPr>
+      <p:sp>
+        <p:nvSpPr>
+          <p:cNvPr id="2" name="標題 1"/>
+          <p:cNvSpPr>
+            <a:spLocks noGrp="1"/>
+          </p:cNvSpPr>
+          <p:nvPr>
+            <p:ph type="title"/>
+          </p:nvPr>
+        </p:nvSpPr>
+        <p:spPr/>
+        <p:txBody>
+          <a:bodyPr/>
+          <a:lstStyle/>
+          <a:p>
+            <a:r>
+              <a:rPr lang="zh-TW" altLang="en-US" dirty="0"/>
+              <a:t>來用用文字語音</a:t>
+            </a:r>
+            <a:r>
+              <a:rPr lang="zh-TW" altLang="en-US" dirty="0" smtClean="0"/>
+              <a:t>轉換器</a:t>
+            </a:r>
+            <a:r>
+              <a:rPr lang="en-US" altLang="zh-TW" dirty="0" smtClean="0"/>
+              <a:t>2</a:t>
+            </a:r>
+            <a:endParaRPr lang="zh-TW" altLang="en-US" b="1" dirty="0"/>
+          </a:p>
+        </p:txBody>
+      </p:sp>
+      <p:sp>
+        <p:nvSpPr>
+          <p:cNvPr id="3" name="內容版面配置區 2"/>
+          <p:cNvSpPr>
+            <a:spLocks noGrp="1"/>
+          </p:cNvSpPr>
+          <p:nvPr>
+            <p:ph idx="1"/>
+          </p:nvPr>
+        </p:nvSpPr>
+        <p:spPr/>
+        <p:txBody>
+          <a:bodyPr/>
+          <a:lstStyle/>
+          <a:p>
+            <a:endParaRPr lang="zh-TW" altLang="en-US"/>
+          </a:p>
+        </p:txBody>
+      </p:sp>
+      <p:pic>
+        <p:nvPicPr>
+          <p:cNvPr id="4" name="圖片 3"/>
+          <p:cNvPicPr>
+            <a:picLocks noChangeAspect="1"/>
+          </p:cNvPicPr>
+          <p:nvPr/>
+        </p:nvPicPr>
+        <p:blipFill>
+          <a:blip r:embed="rId2"/>
+          <a:stretch>
+            <a:fillRect/>
+          </a:stretch>
+        </p:blipFill>
+        <p:spPr>
+          <a:xfrm>
+            <a:off x="3313436" y="2388831"/>
+            <a:ext cx="5229225" cy="4095750"/>
+          </a:xfrm>
+          <a:prstGeom prst="rect">
+            <a:avLst/>
+          </a:prstGeom>
+        </p:spPr>
+      </p:pic>
+      <p:sp>
+        <p:nvSpPr>
+          <p:cNvPr id="5" name="圓角矩形圖說文字 4"/>
+          <p:cNvSpPr/>
+          <p:nvPr/>
+        </p:nvSpPr>
+        <p:spPr>
+          <a:xfrm>
+            <a:off x="968586" y="4340739"/>
+            <a:ext cx="2062065" cy="853659"/>
+          </a:xfrm>
+          <a:prstGeom prst="wedgeRoundRectCallout">
+            <a:avLst>
+              <a:gd name="adj1" fmla="val 92567"/>
+              <a:gd name="adj2" fmla="val 165531"/>
+              <a:gd name="adj3" fmla="val 16667"/>
+            </a:avLst>
+          </a:prstGeom>
+        </p:spPr>
+        <p:style>
+          <a:lnRef idx="2">
+            <a:schemeClr val="accent1">
+              <a:shade val="50000"/>
+            </a:schemeClr>
+          </a:lnRef>
+          <a:fillRef idx="1">
+            <a:schemeClr val="accent1"/>
+          </a:fillRef>
+          <a:effectRef idx="0">
+            <a:schemeClr val="accent1"/>
+          </a:effectRef>
+          <a:fontRef idx="minor">
+            <a:schemeClr val="lt1"/>
+          </a:fontRef>
+        </p:style>
+        <p:txBody>
+          <a:bodyPr rtlCol="0" anchor="ctr"/>
+          <a:lstStyle/>
+          <a:p>
+            <a:pPr algn="ctr"/>
+            <a:r>
+              <a:rPr lang="zh-TW" altLang="en-US" dirty="0" smtClean="0"/>
+              <a:t>先</a:t>
+            </a:r>
+            <a:r>
+              <a:rPr lang="zh-TW" altLang="en-US" dirty="0" smtClean="0"/>
+              <a:t>點選</a:t>
+            </a:r>
+            <a:endParaRPr lang="en-US" altLang="zh-TW" dirty="0" smtClean="0"/>
+          </a:p>
+          <a:p>
+            <a:pPr algn="ctr"/>
+            <a:r>
+              <a:rPr lang="zh-TW" altLang="en-US" dirty="0"/>
+              <a:t>文字語音轉換器</a:t>
+            </a:r>
+            <a:r>
+              <a:rPr lang="en-US" altLang="zh-TW" dirty="0"/>
+              <a:t>1</a:t>
+            </a:r>
+            <a:endParaRPr lang="zh-TW" altLang="en-US" dirty="0"/>
+          </a:p>
+        </p:txBody>
+      </p:sp>
+      <p:sp>
+        <p:nvSpPr>
+          <p:cNvPr id="6" name="圓角矩形圖說文字 5"/>
+          <p:cNvSpPr/>
+          <p:nvPr/>
+        </p:nvSpPr>
+        <p:spPr>
+          <a:xfrm>
+            <a:off x="8825446" y="2712640"/>
+            <a:ext cx="2054048" cy="1056928"/>
+          </a:xfrm>
+          <a:prstGeom prst="wedgeRoundRectCallout">
+            <a:avLst>
+              <a:gd name="adj1" fmla="val -165773"/>
+              <a:gd name="adj2" fmla="val 148042"/>
+              <a:gd name="adj3" fmla="val 16667"/>
+            </a:avLst>
+          </a:prstGeom>
+        </p:spPr>
+        <p:style>
+          <a:lnRef idx="2">
+            <a:schemeClr val="accent1">
+              <a:shade val="50000"/>
+            </a:schemeClr>
+          </a:lnRef>
+          <a:fillRef idx="1">
+            <a:schemeClr val="accent1"/>
+          </a:fillRef>
+          <a:effectRef idx="0">
+            <a:schemeClr val="accent1"/>
+          </a:effectRef>
+          <a:fontRef idx="minor">
+            <a:schemeClr val="lt1"/>
+          </a:fontRef>
+        </p:style>
+        <p:txBody>
+          <a:bodyPr rtlCol="0" anchor="ctr"/>
+          <a:lstStyle/>
+          <a:p>
+            <a:pPr algn="ctr"/>
+            <a:r>
+              <a:rPr lang="en-US" altLang="zh-TW" dirty="0" smtClean="0"/>
+              <a:t>1.0</a:t>
+            </a:r>
+            <a:r>
+              <a:rPr lang="zh-TW" altLang="en-US" dirty="0" smtClean="0"/>
+              <a:t>是正常值女聲</a:t>
+            </a:r>
+            <a:endParaRPr lang="en-US" altLang="zh-TW" dirty="0" smtClean="0"/>
+          </a:p>
+          <a:p>
+            <a:pPr algn="ctr"/>
+            <a:r>
+              <a:rPr lang="en-US" altLang="zh-TW" dirty="0" smtClean="0"/>
+              <a:t>0.5</a:t>
+            </a:r>
+            <a:r>
+              <a:rPr lang="zh-TW" altLang="en-US" dirty="0" smtClean="0"/>
+              <a:t>變成男聲</a:t>
+            </a:r>
+            <a:endParaRPr lang="en-US" altLang="zh-TW" dirty="0" smtClean="0"/>
+          </a:p>
+          <a:p>
+            <a:pPr algn="ctr"/>
+            <a:r>
+              <a:rPr lang="en-US" altLang="zh-TW" dirty="0" smtClean="0"/>
+              <a:t>2.0</a:t>
+            </a:r>
+            <a:r>
+              <a:rPr lang="zh-TW" altLang="en-US" dirty="0" smtClean="0"/>
+              <a:t>變尖銳聲</a:t>
+            </a:r>
+            <a:endParaRPr lang="zh-TW" altLang="en-US" dirty="0"/>
+          </a:p>
+        </p:txBody>
+      </p:sp>
+      <p:sp>
+        <p:nvSpPr>
+          <p:cNvPr id="7" name="圓角矩形圖說文字 6"/>
+          <p:cNvSpPr/>
+          <p:nvPr/>
+        </p:nvSpPr>
+        <p:spPr>
+          <a:xfrm>
+            <a:off x="8825446" y="4581873"/>
+            <a:ext cx="2054048" cy="1056928"/>
+          </a:xfrm>
+          <a:prstGeom prst="wedgeRoundRectCallout">
+            <a:avLst>
+              <a:gd name="adj1" fmla="val -163047"/>
+              <a:gd name="adj2" fmla="val 43871"/>
+              <a:gd name="adj3" fmla="val 16667"/>
+            </a:avLst>
+          </a:prstGeom>
+        </p:spPr>
+        <p:style>
+          <a:lnRef idx="2">
+            <a:schemeClr val="accent1">
+              <a:shade val="50000"/>
+            </a:schemeClr>
+          </a:lnRef>
+          <a:fillRef idx="1">
+            <a:schemeClr val="accent1"/>
+          </a:fillRef>
+          <a:effectRef idx="0">
+            <a:schemeClr val="accent1"/>
+          </a:effectRef>
+          <a:fontRef idx="minor">
+            <a:schemeClr val="lt1"/>
+          </a:fontRef>
+        </p:style>
+        <p:txBody>
+          <a:bodyPr rtlCol="0" anchor="ctr"/>
+          <a:lstStyle/>
+          <a:p>
+            <a:pPr algn="ctr"/>
+            <a:r>
+              <a:rPr lang="en-US" altLang="zh-TW" dirty="0" smtClean="0"/>
+              <a:t>1.0</a:t>
+            </a:r>
+            <a:r>
+              <a:rPr lang="zh-TW" altLang="en-US" dirty="0" smtClean="0"/>
+              <a:t>是正常值</a:t>
+            </a:r>
+            <a:endParaRPr lang="en-US" altLang="zh-TW" dirty="0" smtClean="0"/>
+          </a:p>
+          <a:p>
+            <a:pPr algn="ctr"/>
+            <a:r>
+              <a:rPr lang="zh-TW" altLang="en-US" dirty="0"/>
+              <a:t>數字愈</a:t>
+            </a:r>
+            <a:r>
+              <a:rPr lang="zh-TW" altLang="en-US" dirty="0" smtClean="0"/>
+              <a:t>大</a:t>
+            </a:r>
+            <a:endParaRPr lang="en-US" altLang="zh-TW" dirty="0" smtClean="0"/>
+          </a:p>
+          <a:p>
+            <a:pPr algn="ctr"/>
+            <a:r>
+              <a:rPr lang="zh-TW" altLang="en-US" dirty="0" smtClean="0"/>
+              <a:t>講話愈</a:t>
+            </a:r>
+            <a:r>
+              <a:rPr lang="zh-TW" altLang="en-US" dirty="0"/>
+              <a:t>快</a:t>
+            </a:r>
+            <a:endParaRPr lang="en-US" altLang="zh-TW" dirty="0" smtClean="0"/>
+          </a:p>
+        </p:txBody>
+      </p:sp>
+    </p:spTree>
+    <p:extLst>
+      <p:ext uri="{BB962C8B-B14F-4D97-AF65-F5344CB8AC3E}">
+        <p14:creationId xmlns:p14="http://schemas.microsoft.com/office/powerpoint/2010/main" val="2855802362"/>
+      </p:ext>
+    </p:extLst>
+  </p:cSld>
+  <p:clrMapOvr>
+    <a:masterClrMapping/>
+  </p:clrMapOvr>
+  <p:timing>
+    <p:tnLst>
+      <p:par>
+        <p:cTn id="1" dur="indefinite" restart="never" nodeType="tmRoot">
+          <p:childTnLst>
+            <p:seq concurrent="1" nextAc="seek">
+              <p:cTn id="2" dur="indefinite" nodeType="mainSeq">
+                <p:childTnLst>
+                  <p:par>
+                    <p:cTn id="3" fill="hold">
+                      <p:stCondLst>
+                        <p:cond delay="indefinite"/>
+                      </p:stCondLst>
+                      <p:childTnLst>
+                        <p:par>
+                          <p:cTn id="4" fill="hold">
+                            <p:stCondLst>
+                              <p:cond delay="0"/>
+                            </p:stCondLst>
+                            <p:childTnLst>
+                              <p:par>
+                                <p:cTn id="5" presetID="1" presetClass="entr" presetSubtype="0" fill="hold" grpId="0" nodeType="clickEffect">
+                                  <p:stCondLst>
+                                    <p:cond delay="0"/>
+                                  </p:stCondLst>
+                                  <p:childTnLst>
+                                    <p:set>
+                                      <p:cBhvr>
+                                        <p:cTn id="6" dur="1" fill="hold">
+                                          <p:stCondLst>
+                                            <p:cond delay="0"/>
+                                          </p:stCondLst>
+                                        </p:cTn>
+                                        <p:tgtEl>
+                                          <p:spTgt spid="5"/>
+                                        </p:tgtEl>
+                                        <p:attrNameLst>
+                                          <p:attrName>style.visibility</p:attrName>
+                                        </p:attrNameLst>
+                                      </p:cBhvr>
+                                      <p:to>
+                                        <p:strVal val="visible"/>
+                                      </p:to>
+                                    </p:set>
+                                  </p:childTnLst>
+                                </p:cTn>
+                              </p:par>
+                            </p:childTnLst>
+                          </p:cTn>
+                        </p:par>
+                      </p:childTnLst>
+                    </p:cTn>
+                  </p:par>
+                  <p:par>
+                    <p:cTn id="7" fill="hold">
+                      <p:stCondLst>
+                        <p:cond delay="indefinite"/>
+                      </p:stCondLst>
+                      <p:childTnLst>
+                        <p:par>
+                          <p:cTn id="8" fill="hold">
+                            <p:stCondLst>
+                              <p:cond delay="0"/>
+                            </p:stCondLst>
+                            <p:childTnLst>
+                              <p:par>
+                                <p:cTn id="9" presetID="1" presetClass="entr" presetSubtype="0" fill="hold" grpId="0" nodeType="clickEffect">
+                                  <p:stCondLst>
+                                    <p:cond delay="0"/>
+                                  </p:stCondLst>
+                                  <p:childTnLst>
+                                    <p:set>
+                                      <p:cBhvr>
+                                        <p:cTn id="10" dur="1" fill="hold">
+                                          <p:stCondLst>
+                                            <p:cond delay="0"/>
+                                          </p:stCondLst>
+                                        </p:cTn>
+                                        <p:tgtEl>
+                                          <p:spTgt spid="6"/>
+                                        </p:tgtEl>
+                                        <p:attrNameLst>
+                                          <p:attrName>style.visibility</p:attrName>
+                                        </p:attrNameLst>
+                                      </p:cBhvr>
+                                      <p:to>
+                                        <p:strVal val="visible"/>
+                                      </p:to>
+                                    </p:set>
+                                  </p:childTnLst>
+                                </p:cTn>
+                              </p:par>
+                            </p:childTnLst>
+                          </p:cTn>
+                        </p:par>
+                      </p:childTnLst>
+                    </p:cTn>
+                  </p:par>
+                  <p:par>
+                    <p:cTn id="11" fill="hold">
+                      <p:stCondLst>
+                        <p:cond delay="indefinite"/>
+                      </p:stCondLst>
+                      <p:childTnLst>
+                        <p:par>
+                          <p:cTn id="12" fill="hold">
+                            <p:stCondLst>
+                              <p:cond delay="0"/>
+                            </p:stCondLst>
+                            <p:childTnLst>
+                              <p:par>
+                                <p:cTn id="13" presetID="1" presetClass="entr" presetSubtype="0" fill="hold" grpId="0" nodeType="clickEffect">
+                                  <p:stCondLst>
+                                    <p:cond delay="0"/>
+                                  </p:stCondLst>
+                                  <p:childTnLst>
+                                    <p:set>
+                                      <p:cBhvr>
+                                        <p:cTn id="14" dur="1" fill="hold">
+                                          <p:stCondLst>
+                                            <p:cond delay="0"/>
+                                          </p:stCondLst>
+                                        </p:cTn>
+                                        <p:tgtEl>
+                                          <p:spTgt spid="7"/>
+                                        </p:tgtEl>
+                                        <p:attrNameLst>
+                                          <p:attrName>style.visibility</p:attrName>
+                                        </p:attrNameLst>
+                                      </p:cBhvr>
+                                      <p:to>
+                                        <p:strVal val="visible"/>
+                                      </p:to>
+                                    </p:set>
+                                  </p:childTnLst>
+                                </p:cTn>
+                              </p:par>
+                            </p:childTnLst>
+                          </p:cTn>
+                        </p:par>
+                      </p:childTnLst>
+                    </p:cTn>
+                  </p:par>
+                </p:childTnLst>
+              </p:cTn>
+              <p:prevCondLst>
+                <p:cond evt="onPrev" delay="0">
+                  <p:tgtEl>
+                    <p:sldTgt/>
+                  </p:tgtEl>
+                </p:cond>
+              </p:prevCondLst>
+              <p:nextCondLst>
+                <p:cond evt="onNext" delay="0">
+                  <p:tgtEl>
+                    <p:sldTgt/>
+                  </p:tgtEl>
+                </p:cond>
+              </p:nextCondLst>
+            </p:seq>
+          </p:childTnLst>
+        </p:cTn>
+      </p:par>
+    </p:tnLst>
+    <p:bldLst>
+      <p:bldP spid="5" grpId="0" animBg="1"/>
+      <p:bldP spid="6" grpId="0" animBg="1"/>
+      <p:bldP spid="7" grpId="0" animBg="1"/>
+    </p:bldLst>
+  </p:timing>
+</p:sld>
+</file>
+
+<file path=ppt/slides/slide24.xml><?xml version="1.0" encoding="utf-8"?>
+<p:sld xmlns:a="http://schemas.openxmlformats.org/drawingml/2006/main" xmlns:r="http://schemas.openxmlformats.org/officeDocument/2006/relationships" xmlns:p="http://schemas.openxmlformats.org/presentationml/2006/main">
+  <p:cSld>
+    <p:spTree>
+      <p:nvGrpSpPr>
+        <p:cNvPr id="1" name=""/>
+        <p:cNvGrpSpPr/>
+        <p:nvPr/>
+      </p:nvGrpSpPr>
+      <p:grpSpPr>
+        <a:xfrm>
+          <a:off x="0" y="0"/>
+          <a:ext cx="0" cy="0"/>
+          <a:chOff x="0" y="0"/>
+          <a:chExt cx="0" cy="0"/>
+        </a:xfrm>
+      </p:grpSpPr>
+      <p:sp>
+        <p:nvSpPr>
+          <p:cNvPr id="2" name="標題 1"/>
+          <p:cNvSpPr>
+            <a:spLocks noGrp="1"/>
+          </p:cNvSpPr>
+          <p:nvPr>
+            <p:ph type="title"/>
+          </p:nvPr>
+        </p:nvSpPr>
+        <p:spPr/>
+        <p:txBody>
+          <a:bodyPr/>
+          <a:lstStyle/>
+          <a:p>
+            <a:r>
+              <a:rPr lang="zh-TW" altLang="en-US" dirty="0" smtClean="0"/>
+              <a:t>程式方塊</a:t>
+            </a:r>
+            <a:endParaRPr lang="zh-TW" altLang="en-US" dirty="0"/>
+          </a:p>
+        </p:txBody>
+      </p:sp>
+      <p:sp>
+        <p:nvSpPr>
+          <p:cNvPr id="3" name="內容版面配置區 2"/>
+          <p:cNvSpPr>
+            <a:spLocks noGrp="1"/>
+          </p:cNvSpPr>
+          <p:nvPr>
+            <p:ph idx="1"/>
+          </p:nvPr>
+        </p:nvSpPr>
+        <p:spPr/>
+        <p:txBody>
+          <a:bodyPr/>
+          <a:lstStyle/>
+          <a:p>
+            <a:endParaRPr lang="zh-TW" altLang="en-US"/>
+          </a:p>
+        </p:txBody>
+      </p:sp>
+      <p:pic>
+        <p:nvPicPr>
+          <p:cNvPr id="4" name="圖片 3"/>
+          <p:cNvPicPr>
+            <a:picLocks noChangeAspect="1"/>
+          </p:cNvPicPr>
+          <p:nvPr/>
+        </p:nvPicPr>
+        <p:blipFill>
+          <a:blip r:embed="rId2"/>
+          <a:stretch>
+            <a:fillRect/>
+          </a:stretch>
+        </p:blipFill>
+        <p:spPr>
+          <a:xfrm>
+            <a:off x="1920356" y="1805959"/>
+            <a:ext cx="8705850" cy="4981575"/>
+          </a:xfrm>
+          <a:prstGeom prst="rect">
+            <a:avLst/>
+          </a:prstGeom>
+        </p:spPr>
+      </p:pic>
+      <p:sp>
+        <p:nvSpPr>
+          <p:cNvPr id="5" name="矩形 4"/>
+          <p:cNvSpPr/>
+          <p:nvPr/>
+        </p:nvSpPr>
+        <p:spPr>
+          <a:xfrm>
+            <a:off x="2351314" y="3638939"/>
+            <a:ext cx="6307494" cy="1063690"/>
+          </a:xfrm>
+          <a:prstGeom prst="rect">
+            <a:avLst/>
+          </a:prstGeom>
+          <a:noFill/>
+          <a:ln w="38100">
+            <a:solidFill>
+              <a:schemeClr val="accent1"/>
+            </a:solidFill>
+          </a:ln>
+        </p:spPr>
+        <p:style>
+          <a:lnRef idx="2">
+            <a:schemeClr val="accent1">
+              <a:shade val="50000"/>
+            </a:schemeClr>
+          </a:lnRef>
+          <a:fillRef idx="1">
+            <a:schemeClr val="accent1"/>
+          </a:fillRef>
+          <a:effectRef idx="0">
+            <a:schemeClr val="accent1"/>
+          </a:effectRef>
+          <a:fontRef idx="minor">
+            <a:schemeClr val="lt1"/>
+          </a:fontRef>
+        </p:style>
+        <p:txBody>
+          <a:bodyPr rtlCol="0" anchor="ctr"/>
+          <a:lstStyle/>
+          <a:p>
+            <a:pPr algn="ctr"/>
+            <a:endParaRPr lang="zh-TW" altLang="en-US"/>
+          </a:p>
+        </p:txBody>
+      </p:sp>
+      <p:sp>
+        <p:nvSpPr>
+          <p:cNvPr id="6" name="圓角矩形圖說文字 5"/>
+          <p:cNvSpPr/>
+          <p:nvPr/>
+        </p:nvSpPr>
+        <p:spPr>
+          <a:xfrm>
+            <a:off x="9171992" y="3212109"/>
+            <a:ext cx="2437913" cy="853659"/>
+          </a:xfrm>
+          <a:prstGeom prst="wedgeRoundRectCallout">
+            <a:avLst>
+              <a:gd name="adj1" fmla="val -96579"/>
+              <a:gd name="adj2" fmla="val 47486"/>
+              <a:gd name="adj3" fmla="val 16667"/>
+            </a:avLst>
+          </a:prstGeom>
+        </p:spPr>
+        <p:style>
+          <a:lnRef idx="2">
+            <a:schemeClr val="accent1">
+              <a:shade val="50000"/>
+            </a:schemeClr>
+          </a:lnRef>
+          <a:fillRef idx="1">
+            <a:schemeClr val="accent1"/>
+          </a:fillRef>
+          <a:effectRef idx="0">
+            <a:schemeClr val="accent1"/>
+          </a:effectRef>
+          <a:fontRef idx="minor">
+            <a:schemeClr val="lt1"/>
+          </a:fontRef>
+        </p:style>
+        <p:txBody>
+          <a:bodyPr rtlCol="0" anchor="ctr"/>
+          <a:lstStyle/>
+          <a:p>
+            <a:pPr algn="ctr"/>
+            <a:r>
+              <a:rPr lang="zh-TW" altLang="en-US" dirty="0" smtClean="0"/>
+              <a:t>插入這一塊程式方塊</a:t>
+            </a:r>
+            <a:endParaRPr lang="zh-TW" altLang="en-US" dirty="0"/>
+          </a:p>
+        </p:txBody>
+      </p:sp>
+    </p:spTree>
+    <p:extLst>
+      <p:ext uri="{BB962C8B-B14F-4D97-AF65-F5344CB8AC3E}">
+        <p14:creationId xmlns:p14="http://schemas.microsoft.com/office/powerpoint/2010/main" val="857546484"/>
+      </p:ext>
+    </p:extLst>
+  </p:cSld>
+  <p:clrMapOvr>
+    <a:masterClrMapping/>
+  </p:clrMapOvr>
+  <p:timing>
+    <p:tnLst>
+      <p:par>
+        <p:cTn id="1" dur="indefinite" restart="never" nodeType="tmRoot">
+          <p:childTnLst>
+            <p:seq concurrent="1" nextAc="seek">
+              <p:cTn id="2" dur="indefinite" nodeType="mainSeq">
+                <p:childTnLst>
+                  <p:par>
+                    <p:cTn id="3" fill="hold">
+                      <p:stCondLst>
+                        <p:cond delay="indefinite"/>
+                      </p:stCondLst>
+                      <p:childTnLst>
+                        <p:par>
+                          <p:cTn id="4" fill="hold">
+                            <p:stCondLst>
+                              <p:cond delay="0"/>
+                            </p:stCondLst>
+                            <p:childTnLst>
+                              <p:par>
+                                <p:cTn id="5" presetID="1" presetClass="entr" presetSubtype="0" fill="hold" grpId="0" nodeType="clickEffect">
+                                  <p:stCondLst>
+                                    <p:cond delay="0"/>
+                                  </p:stCondLst>
+                                  <p:childTnLst>
+                                    <p:set>
+                                      <p:cBhvr>
+                                        <p:cTn id="6" dur="1" fill="hold">
+                                          <p:stCondLst>
+                                            <p:cond delay="0"/>
+                                          </p:stCondLst>
+                                        </p:cTn>
+                                        <p:tgtEl>
+                                          <p:spTgt spid="6"/>
+                                        </p:tgtEl>
+                                        <p:attrNameLst>
+                                          <p:attrName>style.visibility</p:attrName>
+                                        </p:attrNameLst>
+                                      </p:cBhvr>
+                                      <p:to>
+                                        <p:strVal val="visible"/>
+                                      </p:to>
+                                    </p:set>
+                                  </p:childTnLst>
+                                </p:cTn>
+                              </p:par>
+                            </p:childTnLst>
+                          </p:cTn>
+                        </p:par>
+                      </p:childTnLst>
+                    </p:cTn>
+                  </p:par>
+                </p:childTnLst>
+              </p:cTn>
+              <p:prevCondLst>
+                <p:cond evt="onPrev" delay="0">
+                  <p:tgtEl>
+                    <p:sldTgt/>
+                  </p:tgtEl>
+                </p:cond>
+              </p:prevCondLst>
+              <p:nextCondLst>
+                <p:cond evt="onNext" delay="0">
+                  <p:tgtEl>
+                    <p:sldTgt/>
+                  </p:tgtEl>
+                </p:cond>
+              </p:nextCondLst>
+            </p:seq>
+          </p:childTnLst>
+        </p:cTn>
+      </p:par>
+    </p:tnLst>
+    <p:bldLst>
+      <p:bldP spid="6" grpId="0" animBg="1"/>
+    </p:bldLst>
+  </p:timing>
+</p:sld>
+</file>
+
+<file path=ppt/slides/slide25.xml><?xml version="1.0" encoding="utf-8"?>
+<p:sld xmlns:a="http://schemas.openxmlformats.org/drawingml/2006/main" xmlns:r="http://schemas.openxmlformats.org/officeDocument/2006/relationships" xmlns:p="http://schemas.openxmlformats.org/presentationml/2006/main">
+  <p:cSld>
+    <p:spTree>
+      <p:nvGrpSpPr>
+        <p:cNvPr id="1" name=""/>
+        <p:cNvGrpSpPr/>
+        <p:nvPr/>
+      </p:nvGrpSpPr>
+      <p:grpSpPr>
+        <a:xfrm>
+          <a:off x="0" y="0"/>
+          <a:ext cx="0" cy="0"/>
+          <a:chOff x="0" y="0"/>
+          <a:chExt cx="0" cy="0"/>
+        </a:xfrm>
+      </p:grpSpPr>
+      <p:sp>
+        <p:nvSpPr>
+          <p:cNvPr id="2" name="標題 1"/>
+          <p:cNvSpPr>
+            <a:spLocks noGrp="1"/>
+          </p:cNvSpPr>
+          <p:nvPr>
+            <p:ph type="title"/>
+          </p:nvPr>
+        </p:nvSpPr>
+        <p:spPr/>
+        <p:txBody>
+          <a:bodyPr/>
+          <a:lstStyle/>
+          <a:p>
+            <a:r>
+              <a:rPr lang="en-US" altLang="zh-TW" dirty="0" smtClean="0"/>
+              <a:t>Screen</a:t>
+            </a:r>
+            <a:r>
+              <a:rPr lang="zh-TW" altLang="en-US" dirty="0" smtClean="0"/>
+              <a:t>的其他屬性</a:t>
+            </a:r>
+            <a:endParaRPr lang="zh-TW" altLang="en-US" dirty="0"/>
+          </a:p>
+        </p:txBody>
+      </p:sp>
+      <p:sp>
+        <p:nvSpPr>
+          <p:cNvPr id="3" name="內容版面配置區 2"/>
+          <p:cNvSpPr>
+            <a:spLocks noGrp="1"/>
+          </p:cNvSpPr>
+          <p:nvPr>
+            <p:ph idx="1"/>
+          </p:nvPr>
+        </p:nvSpPr>
+        <p:spPr/>
+        <p:txBody>
+          <a:bodyPr/>
+          <a:lstStyle/>
+          <a:p>
+            <a:r>
+              <a:rPr lang="en-US" altLang="zh-TW" dirty="0" smtClean="0"/>
+              <a:t>Screen</a:t>
+            </a:r>
+            <a:r>
+              <a:rPr lang="zh-TW" altLang="en-US" dirty="0" smtClean="0"/>
+              <a:t>還有很多可以設定改變的屬性</a:t>
+            </a:r>
+            <a:endParaRPr lang="en-US" altLang="zh-TW" dirty="0" smtClean="0"/>
+          </a:p>
+          <a:p>
+            <a:pPr lvl="1"/>
+            <a:r>
+              <a:rPr lang="en-US" altLang="zh-TW" dirty="0" smtClean="0"/>
+              <a:t>App</a:t>
+            </a:r>
+            <a:r>
+              <a:rPr lang="zh-TW" altLang="en-US" dirty="0" smtClean="0"/>
+              <a:t>名稱</a:t>
+            </a:r>
+            <a:endParaRPr lang="en-US" altLang="zh-TW" dirty="0" smtClean="0"/>
+          </a:p>
+          <a:p>
+            <a:pPr lvl="1"/>
+            <a:r>
+              <a:rPr lang="zh-TW" altLang="en-US" dirty="0" smtClean="0"/>
+              <a:t>圖示</a:t>
+            </a:r>
+            <a:endParaRPr lang="en-US" altLang="zh-TW" dirty="0" smtClean="0"/>
+          </a:p>
+          <a:p>
+            <a:pPr lvl="2"/>
+            <a:r>
+              <a:rPr lang="zh-TW" altLang="en-US" dirty="0"/>
+              <a:t>材料包有些圖可以試試看</a:t>
+            </a:r>
+            <a:endParaRPr lang="en-US" altLang="zh-TW" dirty="0" smtClean="0"/>
+          </a:p>
+          <a:p>
+            <a:pPr lvl="1"/>
+            <a:r>
+              <a:rPr lang="zh-TW" altLang="en-US" dirty="0"/>
+              <a:t>螢幕</a:t>
+            </a:r>
+            <a:r>
+              <a:rPr lang="zh-TW" altLang="en-US" dirty="0" smtClean="0"/>
+              <a:t>方向</a:t>
+            </a:r>
+            <a:endParaRPr lang="en-US" altLang="zh-TW" dirty="0" smtClean="0"/>
+          </a:p>
+          <a:p>
+            <a:pPr lvl="1"/>
+            <a:r>
+              <a:rPr lang="zh-TW" altLang="en-US" dirty="0" smtClean="0"/>
+              <a:t>標題</a:t>
+            </a:r>
+            <a:endParaRPr lang="en-US" altLang="zh-TW" dirty="0" smtClean="0"/>
+          </a:p>
+          <a:p>
+            <a:pPr lvl="2"/>
+            <a:r>
+              <a:rPr lang="zh-TW" altLang="en-US" dirty="0" smtClean="0"/>
+              <a:t>把原標題改成符合</a:t>
+            </a:r>
+            <a:r>
+              <a:rPr lang="en-US" altLang="zh-TW" dirty="0" smtClean="0"/>
+              <a:t>App</a:t>
+            </a:r>
+            <a:r>
+              <a:rPr lang="zh-TW" altLang="en-US" dirty="0" smtClean="0"/>
+              <a:t>的內容吧</a:t>
+            </a:r>
+            <a:endParaRPr lang="en-US" altLang="zh-TW" dirty="0"/>
+          </a:p>
+          <a:p>
+            <a:r>
+              <a:rPr lang="zh-TW" altLang="en-US" dirty="0" smtClean="0"/>
+              <a:t>有興趣的人可以設定一下，看看效果。</a:t>
+            </a:r>
+            <a:endParaRPr lang="zh-TW" altLang="en-US" dirty="0"/>
+          </a:p>
+        </p:txBody>
+      </p:sp>
+    </p:spTree>
+    <p:extLst>
+      <p:ext uri="{BB962C8B-B14F-4D97-AF65-F5344CB8AC3E}">
+        <p14:creationId xmlns:p14="http://schemas.microsoft.com/office/powerpoint/2010/main" val="2275639626"/>
+      </p:ext>
+    </p:extLst>
+  </p:cSld>
+  <p:clrMapOvr>
+    <a:masterClrMapping/>
+  </p:clrMapOvr>
+  <p:timing>
+    <p:tnLst>
+      <p:par>
+        <p:cTn id="1" dur="indefinite" restart="never" nodeType="tmRoot"/>
+      </p:par>
+    </p:tnLst>
+  </p:timing>
+</p:sld>
+</file>
+
+<file path=ppt/slides/slide26.xml><?xml version="1.0" encoding="utf-8"?>
+<p:sld xmlns:a="http://schemas.openxmlformats.org/drawingml/2006/main" xmlns:r="http://schemas.openxmlformats.org/officeDocument/2006/relationships" xmlns:p="http://schemas.openxmlformats.org/presentationml/2006/main">
+  <p:cSld>
+    <p:spTree>
+      <p:nvGrpSpPr>
+        <p:cNvPr id="1" name=""/>
+        <p:cNvGrpSpPr/>
+        <p:nvPr/>
+      </p:nvGrpSpPr>
+      <p:grpSpPr>
+        <a:xfrm>
+          <a:off x="0" y="0"/>
+          <a:ext cx="0" cy="0"/>
+          <a:chOff x="0" y="0"/>
+          <a:chExt cx="0" cy="0"/>
+        </a:xfrm>
+      </p:grpSpPr>
+      <p:sp>
+        <p:nvSpPr>
+          <p:cNvPr id="2" name="標題 1"/>
+          <p:cNvSpPr>
+            <a:spLocks noGrp="1"/>
+          </p:cNvSpPr>
+          <p:nvPr>
+            <p:ph type="title"/>
+          </p:nvPr>
+        </p:nvSpPr>
+        <p:spPr/>
+        <p:txBody>
+          <a:bodyPr/>
+          <a:lstStyle/>
+          <a:p>
+            <a:r>
+              <a:rPr lang="zh-TW" altLang="en-US" dirty="0"/>
+              <a:t>材料包</a:t>
+            </a:r>
+            <a:r>
+              <a:rPr lang="zh-TW" altLang="en-US" dirty="0" smtClean="0"/>
+              <a:t>中的一些素材</a:t>
+            </a:r>
+            <a:endParaRPr lang="zh-TW" altLang="en-US" dirty="0"/>
+          </a:p>
+        </p:txBody>
+      </p:sp>
+      <p:sp>
+        <p:nvSpPr>
+          <p:cNvPr id="3" name="內容版面配置區 2"/>
+          <p:cNvSpPr>
+            <a:spLocks noGrp="1"/>
+          </p:cNvSpPr>
+          <p:nvPr>
+            <p:ph idx="1"/>
+          </p:nvPr>
+        </p:nvSpPr>
+        <p:spPr/>
+        <p:txBody>
+          <a:bodyPr/>
+          <a:lstStyle/>
+          <a:p>
+            <a:r>
+              <a:rPr lang="zh-TW" altLang="en-US" dirty="0" smtClean="0"/>
+              <a:t>一些可以當背景的圖片</a:t>
+            </a:r>
+            <a:endParaRPr lang="en-US" altLang="zh-TW" dirty="0" smtClean="0"/>
+          </a:p>
+          <a:p>
+            <a:r>
+              <a:rPr lang="zh-TW" altLang="en-US" dirty="0"/>
+              <a:t>兩個按鈕用圖片</a:t>
+            </a:r>
+            <a:endParaRPr lang="en-US" altLang="zh-TW" dirty="0" smtClean="0"/>
+          </a:p>
+          <a:p>
+            <a:r>
+              <a:rPr lang="zh-TW" altLang="en-US" dirty="0" smtClean="0"/>
+              <a:t>有一些</a:t>
+            </a:r>
+            <a:r>
+              <a:rPr lang="en-US" altLang="zh-TW" dirty="0" smtClean="0"/>
+              <a:t>ICON</a:t>
+            </a:r>
+            <a:r>
+              <a:rPr lang="zh-TW" altLang="en-US" dirty="0" smtClean="0"/>
+              <a:t>素材</a:t>
+            </a:r>
+            <a:endParaRPr lang="en-US" altLang="zh-TW" dirty="0" smtClean="0"/>
+          </a:p>
+          <a:p>
+            <a:r>
+              <a:rPr lang="zh-TW" altLang="en-US" dirty="0"/>
+              <a:t>有三</a:t>
+            </a:r>
+            <a:r>
+              <a:rPr lang="zh-TW" altLang="en-US" dirty="0" smtClean="0"/>
+              <a:t>個語音錄音</a:t>
+            </a:r>
+            <a:r>
+              <a:rPr lang="zh-TW" altLang="en-US" dirty="0"/>
+              <a:t>檔。</a:t>
+            </a:r>
+          </a:p>
+        </p:txBody>
+      </p:sp>
+    </p:spTree>
+    <p:extLst>
+      <p:ext uri="{BB962C8B-B14F-4D97-AF65-F5344CB8AC3E}">
+        <p14:creationId xmlns:p14="http://schemas.microsoft.com/office/powerpoint/2010/main" val="3098983537"/>
       </p:ext>
     </p:extLst>
   </p:cSld>
@@ -9622,22 +11423,16 @@
           <a:p>
             <a:pPr lvl="1"/>
             <a:r>
-              <a:rPr lang="en-US" altLang="zh-TW" smtClean="0">
-                <a:hlinkClick r:id="rId2"/>
-              </a:rPr>
-              <a:t>https</a:t>
-            </a:r>
-            <a:r>
               <a:rPr lang="en-US" altLang="zh-TW" dirty="0">
                 <a:hlinkClick r:id="rId2"/>
               </a:rPr>
-              <a:t>://</a:t>
+              <a:t>https://</a:t>
             </a:r>
             <a:r>
               <a:rPr lang="en-US" altLang="zh-TW" dirty="0" smtClean="0">
                 <a:hlinkClick r:id="rId2"/>
               </a:rPr>
-              <a:t>tinyurl.com/y75s9b6m</a:t>
+              <a:t>tinyurl.com/ybgtj8zj</a:t>
             </a:r>
             <a:endParaRPr lang="en-US" altLang="zh-TW" dirty="0" smtClean="0"/>
           </a:p>
@@ -9648,12 +11443,37 @@
           <a:p>
             <a:r>
               <a:rPr lang="zh-TW" altLang="en-US" dirty="0" smtClean="0"/>
-              <a:t>上課素材檔下載網址，下載</a:t>
+              <a:t>上課素材</a:t>
+            </a:r>
+            <a:r>
+              <a:rPr lang="zh-TW" altLang="en-US" dirty="0" smtClean="0"/>
+              <a:t>檔</a:t>
+            </a:r>
+            <a:r>
+              <a:rPr lang="en-US" altLang="zh-TW" b="1" dirty="0" smtClean="0">
+                <a:solidFill>
+                  <a:srgbClr val="0070C0"/>
+                </a:solidFill>
+              </a:rPr>
+              <a:t>BMI.zip</a:t>
+            </a:r>
+            <a:r>
+              <a:rPr lang="zh-TW" altLang="en-US" dirty="0" smtClean="0"/>
+              <a:t>下載</a:t>
+            </a:r>
+            <a:r>
+              <a:rPr lang="zh-TW" altLang="en-US" dirty="0" smtClean="0"/>
+              <a:t>網址，下載</a:t>
             </a:r>
             <a:r>
               <a:rPr lang="zh-TW" altLang="en-US" dirty="0"/>
-              <a:t>後請解壓縮。</a:t>
-            </a:r>
+              <a:t>後請解壓縮</a:t>
+            </a:r>
+            <a:r>
+              <a:rPr lang="zh-TW" altLang="en-US" dirty="0" smtClean="0"/>
+              <a:t>。</a:t>
+            </a:r>
+            <a:endParaRPr lang="en-US" altLang="zh-TW" dirty="0" smtClean="0"/>
           </a:p>
           <a:p>
             <a:pPr lvl="1"/>
@@ -9667,9 +11487,9 @@
               <a:rPr lang="en-US" altLang="zh-TW" dirty="0" smtClean="0">
                 <a:hlinkClick r:id="rId3"/>
               </a:rPr>
-              <a:t>tinyurl.com/ycufxdlt</a:t>
-            </a:r>
-            <a:endParaRPr lang="en-US" altLang="zh-TW" dirty="0"/>
+              <a:t>tinyurl.com/ycumquwx</a:t>
+            </a:r>
+            <a:endParaRPr lang="en-US" altLang="zh-TW" dirty="0" smtClean="0"/>
           </a:p>
         </p:txBody>
       </p:sp>
@@ -9774,11 +11594,7 @@
           <a:p>
             <a:r>
               <a:rPr lang="zh-TW" altLang="en-US" dirty="0" smtClean="0"/>
-              <a:t>如果再專案頁面請</a:t>
-            </a:r>
-            <a:r>
-              <a:rPr lang="zh-TW" altLang="en-US" dirty="0" smtClean="0"/>
-              <a:t>點</a:t>
+              <a:t>如果再專案頁面請點</a:t>
             </a:r>
             <a:r>
               <a:rPr lang="zh-TW" altLang="en-US" dirty="0"/>
@@ -10617,7 +12433,6 @@
               <a:rPr lang="zh-TW" altLang="en-US" dirty="0"/>
               <a:t>先設計畫面</a:t>
             </a:r>
-            <a:endParaRPr lang="zh-TW" altLang="en-US" dirty="0"/>
           </a:p>
         </p:txBody>
       </p:sp>
@@ -11344,11 +13159,7 @@
             <a:pPr algn="ctr"/>
             <a:r>
               <a:rPr lang="zh-TW" altLang="en-US" dirty="0" smtClean="0"/>
-              <a:t>先點選</a:t>
-            </a:r>
-            <a:r>
-              <a:rPr lang="zh-TW" altLang="en-US" dirty="0" smtClean="0"/>
-              <a:t>開</a:t>
+              <a:t>先點選開</a:t>
             </a:r>
             <a:endParaRPr lang="en-US" altLang="zh-TW" dirty="0" smtClean="0"/>
           </a:p>
@@ -11418,7 +13229,6 @@
               <a:rPr lang="zh-TW" altLang="en-US" dirty="0"/>
               <a:t>表格配置</a:t>
             </a:r>
-            <a:endParaRPr lang="zh-TW" altLang="en-US" dirty="0"/>
           </a:p>
         </p:txBody>
       </p:sp>

--- a/CHING JIAN/AppInventor/03_你的BMI正常嗎.pptx
+++ b/CHING JIAN/AppInventor/03_你的BMI正常嗎.pptx
@@ -318,7 +318,7 @@
           <a:p>
             <a:fld id="{48A87A34-81AB-432B-8DAE-1953F412C126}" type="datetimeFigureOut">
               <a:rPr lang="en-US" dirty="0"/>
-              <a:t>12/21/2020</a:t>
+              <a:t>12/25/2020</a:t>
             </a:fld>
             <a:endParaRPr lang="en-US" dirty="0"/>
           </a:p>
@@ -580,7 +580,7 @@
           <a:p>
             <a:fld id="{48A87A34-81AB-432B-8DAE-1953F412C126}" type="datetimeFigureOut">
               <a:rPr lang="en-US" dirty="0"/>
-              <a:t>12/21/2020</a:t>
+              <a:t>12/25/2020</a:t>
             </a:fld>
             <a:endParaRPr lang="en-US" dirty="0"/>
           </a:p>
@@ -807,7 +807,7 @@
             <a:fld id="{48A87A34-81AB-432B-8DAE-1953F412C126}" type="datetimeFigureOut">
               <a:rPr lang="en-US" dirty="0"/>
               <a:pPr/>
-              <a:t>12/21/2020</a:t>
+              <a:t>12/25/2020</a:t>
             </a:fld>
             <a:endParaRPr lang="en-US" dirty="0"/>
           </a:p>
@@ -1113,7 +1113,7 @@
             <a:fld id="{48A87A34-81AB-432B-8DAE-1953F412C126}" type="datetimeFigureOut">
               <a:rPr lang="en-US" dirty="0"/>
               <a:pPr/>
-              <a:t>12/21/2020</a:t>
+              <a:t>12/25/2020</a:t>
             </a:fld>
             <a:endParaRPr lang="en-US" dirty="0"/>
           </a:p>
@@ -1582,7 +1582,7 @@
             <a:fld id="{48A87A34-81AB-432B-8DAE-1953F412C126}" type="datetimeFigureOut">
               <a:rPr lang="en-US" dirty="0"/>
               <a:pPr/>
-              <a:t>12/21/2020</a:t>
+              <a:t>12/25/2020</a:t>
             </a:fld>
             <a:endParaRPr lang="en-US" dirty="0"/>
           </a:p>
@@ -2124,7 +2124,7 @@
           <a:p>
             <a:fld id="{48A87A34-81AB-432B-8DAE-1953F412C126}" type="datetimeFigureOut">
               <a:rPr lang="en-US" dirty="0"/>
-              <a:t>12/21/2020</a:t>
+              <a:t>12/25/2020</a:t>
             </a:fld>
             <a:endParaRPr lang="en-US" dirty="0"/>
           </a:p>
@@ -2893,7 +2893,7 @@
           <a:p>
             <a:fld id="{48A87A34-81AB-432B-8DAE-1953F412C126}" type="datetimeFigureOut">
               <a:rPr lang="en-US" dirty="0"/>
-              <a:t>12/21/2020</a:t>
+              <a:t>12/25/2020</a:t>
             </a:fld>
             <a:endParaRPr lang="en-US" dirty="0"/>
           </a:p>
@@ -3063,7 +3063,7 @@
           <a:p>
             <a:fld id="{48A87A34-81AB-432B-8DAE-1953F412C126}" type="datetimeFigureOut">
               <a:rPr lang="en-US" dirty="0"/>
-              <a:t>12/21/2020</a:t>
+              <a:t>12/25/2020</a:t>
             </a:fld>
             <a:endParaRPr lang="en-US" dirty="0"/>
           </a:p>
@@ -3282,7 +3282,7 @@
             <a:fld id="{48A87A34-81AB-432B-8DAE-1953F412C126}" type="datetimeFigureOut">
               <a:rPr lang="en-US" dirty="0"/>
               <a:pPr/>
-              <a:t>12/21/2020</a:t>
+              <a:t>12/25/2020</a:t>
             </a:fld>
             <a:endParaRPr lang="en-US" dirty="0"/>
           </a:p>
@@ -3457,7 +3457,7 @@
           <a:p>
             <a:fld id="{48A87A34-81AB-432B-8DAE-1953F412C126}" type="datetimeFigureOut">
               <a:rPr lang="en-US" dirty="0"/>
-              <a:t>12/21/2020</a:t>
+              <a:t>12/25/2020</a:t>
             </a:fld>
             <a:endParaRPr lang="en-US" dirty="0"/>
           </a:p>
@@ -3742,7 +3742,7 @@
             <a:fld id="{48A87A34-81AB-432B-8DAE-1953F412C126}" type="datetimeFigureOut">
               <a:rPr lang="en-US" dirty="0"/>
               <a:pPr/>
-              <a:t>12/21/2020</a:t>
+              <a:t>12/25/2020</a:t>
             </a:fld>
             <a:endParaRPr lang="en-US" dirty="0"/>
           </a:p>
@@ -3979,7 +3979,7 @@
           <a:p>
             <a:fld id="{48A87A34-81AB-432B-8DAE-1953F412C126}" type="datetimeFigureOut">
               <a:rPr lang="en-US" dirty="0"/>
-              <a:t>12/21/2020</a:t>
+              <a:t>12/25/2020</a:t>
             </a:fld>
             <a:endParaRPr lang="en-US" dirty="0"/>
           </a:p>
@@ -4353,7 +4353,7 @@
           <a:p>
             <a:fld id="{48A87A34-81AB-432B-8DAE-1953F412C126}" type="datetimeFigureOut">
               <a:rPr lang="en-US" dirty="0"/>
-              <a:t>12/21/2020</a:t>
+              <a:t>12/25/2020</a:t>
             </a:fld>
             <a:endParaRPr lang="en-US" dirty="0"/>
           </a:p>
@@ -4466,7 +4466,7 @@
           <a:p>
             <a:fld id="{48A87A34-81AB-432B-8DAE-1953F412C126}" type="datetimeFigureOut">
               <a:rPr lang="en-US" dirty="0"/>
-              <a:t>12/21/2020</a:t>
+              <a:t>12/25/2020</a:t>
             </a:fld>
             <a:endParaRPr lang="en-US" dirty="0"/>
           </a:p>
@@ -4556,7 +4556,7 @@
           <a:p>
             <a:fld id="{48A87A34-81AB-432B-8DAE-1953F412C126}" type="datetimeFigureOut">
               <a:rPr lang="en-US" dirty="0"/>
-              <a:t>12/21/2020</a:t>
+              <a:t>12/25/2020</a:t>
             </a:fld>
             <a:endParaRPr lang="en-US" dirty="0"/>
           </a:p>
@@ -4800,7 +4800,7 @@
           <a:p>
             <a:fld id="{48A87A34-81AB-432B-8DAE-1953F412C126}" type="datetimeFigureOut">
               <a:rPr lang="en-US" dirty="0"/>
-              <a:t>12/21/2020</a:t>
+              <a:t>12/25/2020</a:t>
             </a:fld>
             <a:endParaRPr lang="en-US" dirty="0"/>
           </a:p>
@@ -5052,7 +5052,7 @@
           <a:p>
             <a:fld id="{48A87A34-81AB-432B-8DAE-1953F412C126}" type="datetimeFigureOut">
               <a:rPr lang="en-US" dirty="0"/>
-              <a:t>12/21/2020</a:t>
+              <a:t>12/25/2020</a:t>
             </a:fld>
             <a:endParaRPr lang="en-US" dirty="0"/>
           </a:p>
@@ -5291,7 +5291,7 @@
             <a:fld id="{48A87A34-81AB-432B-8DAE-1953F412C126}" type="datetimeFigureOut">
               <a:rPr lang="en-US" dirty="0"/>
               <a:pPr/>
-              <a:t>12/21/2020</a:t>
+              <a:t>12/25/2020</a:t>
             </a:fld>
             <a:endParaRPr lang="en-US" dirty="0"/>
           </a:p>
@@ -5739,7 +5739,7 @@
             </a:pPr>
             <a:fld id="{4844D8D4-723F-40A6-B98F-A2C2312E33A8}" type="datetime5">
               <a:rPr lang="zh-TW" altLang="en-US" smtClean="0"/>
-              <a:t>2020年12月21日星期一</a:t>
+              <a:t>2020年12月25日星期五</a:t>
             </a:fld>
             <a:endParaRPr lang="zh-TW" altLang="en-US" dirty="0"/>
           </a:p>
@@ -9841,7 +9841,6 @@
               <a:rPr lang="zh-TW" altLang="en-US" dirty="0"/>
               <a:t>多媒體</a:t>
             </a:r>
-            <a:endParaRPr lang="zh-TW" altLang="en-US" dirty="0"/>
           </a:p>
         </p:txBody>
       </p:sp>
@@ -9897,7 +9896,6 @@
               <a:rPr lang="zh-TW" altLang="en-US" dirty="0"/>
               <a:t>文字語音轉換器</a:t>
             </a:r>
-            <a:endParaRPr lang="zh-TW" altLang="en-US" dirty="0"/>
           </a:p>
         </p:txBody>
       </p:sp>
@@ -10436,11 +10434,7 @@
             <a:pPr algn="ctr"/>
             <a:r>
               <a:rPr lang="zh-TW" altLang="en-US" dirty="0" smtClean="0"/>
-              <a:t>先</a:t>
-            </a:r>
-            <a:r>
-              <a:rPr lang="zh-TW" altLang="en-US" dirty="0" smtClean="0"/>
-              <a:t>點選</a:t>
+              <a:t>先點選</a:t>
             </a:r>
             <a:endParaRPr lang="en-US" altLang="zh-TW" dirty="0" smtClean="0"/>
           </a:p>
@@ -11443,11 +11437,7 @@
           <a:p>
             <a:r>
               <a:rPr lang="zh-TW" altLang="en-US" dirty="0" smtClean="0"/>
-              <a:t>上課素材</a:t>
-            </a:r>
-            <a:r>
-              <a:rPr lang="zh-TW" altLang="en-US" dirty="0" smtClean="0"/>
-              <a:t>檔</a:t>
+              <a:t>上課素材檔</a:t>
             </a:r>
             <a:r>
               <a:rPr lang="en-US" altLang="zh-TW" b="1" dirty="0" smtClean="0">
@@ -11459,11 +11449,7 @@
             </a:r>
             <a:r>
               <a:rPr lang="zh-TW" altLang="en-US" dirty="0" smtClean="0"/>
-              <a:t>下載</a:t>
-            </a:r>
-            <a:r>
-              <a:rPr lang="zh-TW" altLang="en-US" dirty="0" smtClean="0"/>
-              <a:t>網址，下載</a:t>
+              <a:t>下載網址，下載</a:t>
             </a:r>
             <a:r>
               <a:rPr lang="zh-TW" altLang="en-US" dirty="0"/>
@@ -12565,6 +12551,11 @@
           <a:prstGeom prst="rect">
             <a:avLst/>
           </a:prstGeom>
+          <a:ln>
+            <a:solidFill>
+              <a:schemeClr val="tx1"/>
+            </a:solidFill>
+          </a:ln>
         </p:spPr>
       </p:pic>
     </p:spTree>

--- a/CHING JIAN/AppInventor/03_你的BMI正常嗎.pptx
+++ b/CHING JIAN/AppInventor/03_你的BMI正常嗎.pptx
@@ -318,7 +318,7 @@
           <a:p>
             <a:fld id="{48A87A34-81AB-432B-8DAE-1953F412C126}" type="datetimeFigureOut">
               <a:rPr lang="en-US" dirty="0"/>
-              <a:t>12/25/2020</a:t>
+              <a:t>9/19/2022</a:t>
             </a:fld>
             <a:endParaRPr lang="en-US" dirty="0"/>
           </a:p>
@@ -580,7 +580,7 @@
           <a:p>
             <a:fld id="{48A87A34-81AB-432B-8DAE-1953F412C126}" type="datetimeFigureOut">
               <a:rPr lang="en-US" dirty="0"/>
-              <a:t>12/25/2020</a:t>
+              <a:t>9/19/2022</a:t>
             </a:fld>
             <a:endParaRPr lang="en-US" dirty="0"/>
           </a:p>
@@ -807,7 +807,7 @@
             <a:fld id="{48A87A34-81AB-432B-8DAE-1953F412C126}" type="datetimeFigureOut">
               <a:rPr lang="en-US" dirty="0"/>
               <a:pPr/>
-              <a:t>12/25/2020</a:t>
+              <a:t>9/19/2022</a:t>
             </a:fld>
             <a:endParaRPr lang="en-US" dirty="0"/>
           </a:p>
@@ -1113,7 +1113,7 @@
             <a:fld id="{48A87A34-81AB-432B-8DAE-1953F412C126}" type="datetimeFigureOut">
               <a:rPr lang="en-US" dirty="0"/>
               <a:pPr/>
-              <a:t>12/25/2020</a:t>
+              <a:t>9/19/2022</a:t>
             </a:fld>
             <a:endParaRPr lang="en-US" dirty="0"/>
           </a:p>
@@ -1582,7 +1582,7 @@
             <a:fld id="{48A87A34-81AB-432B-8DAE-1953F412C126}" type="datetimeFigureOut">
               <a:rPr lang="en-US" dirty="0"/>
               <a:pPr/>
-              <a:t>12/25/2020</a:t>
+              <a:t>9/19/2022</a:t>
             </a:fld>
             <a:endParaRPr lang="en-US" dirty="0"/>
           </a:p>
@@ -2124,7 +2124,7 @@
           <a:p>
             <a:fld id="{48A87A34-81AB-432B-8DAE-1953F412C126}" type="datetimeFigureOut">
               <a:rPr lang="en-US" dirty="0"/>
-              <a:t>12/25/2020</a:t>
+              <a:t>9/19/2022</a:t>
             </a:fld>
             <a:endParaRPr lang="en-US" dirty="0"/>
           </a:p>
@@ -2893,7 +2893,7 @@
           <a:p>
             <a:fld id="{48A87A34-81AB-432B-8DAE-1953F412C126}" type="datetimeFigureOut">
               <a:rPr lang="en-US" dirty="0"/>
-              <a:t>12/25/2020</a:t>
+              <a:t>9/19/2022</a:t>
             </a:fld>
             <a:endParaRPr lang="en-US" dirty="0"/>
           </a:p>
@@ -3063,7 +3063,7 @@
           <a:p>
             <a:fld id="{48A87A34-81AB-432B-8DAE-1953F412C126}" type="datetimeFigureOut">
               <a:rPr lang="en-US" dirty="0"/>
-              <a:t>12/25/2020</a:t>
+              <a:t>9/19/2022</a:t>
             </a:fld>
             <a:endParaRPr lang="en-US" dirty="0"/>
           </a:p>
@@ -3282,7 +3282,7 @@
             <a:fld id="{48A87A34-81AB-432B-8DAE-1953F412C126}" type="datetimeFigureOut">
               <a:rPr lang="en-US" dirty="0"/>
               <a:pPr/>
-              <a:t>12/25/2020</a:t>
+              <a:t>9/19/2022</a:t>
             </a:fld>
             <a:endParaRPr lang="en-US" dirty="0"/>
           </a:p>
@@ -3457,7 +3457,7 @@
           <a:p>
             <a:fld id="{48A87A34-81AB-432B-8DAE-1953F412C126}" type="datetimeFigureOut">
               <a:rPr lang="en-US" dirty="0"/>
-              <a:t>12/25/2020</a:t>
+              <a:t>9/19/2022</a:t>
             </a:fld>
             <a:endParaRPr lang="en-US" dirty="0"/>
           </a:p>
@@ -3742,7 +3742,7 @@
             <a:fld id="{48A87A34-81AB-432B-8DAE-1953F412C126}" type="datetimeFigureOut">
               <a:rPr lang="en-US" dirty="0"/>
               <a:pPr/>
-              <a:t>12/25/2020</a:t>
+              <a:t>9/19/2022</a:t>
             </a:fld>
             <a:endParaRPr lang="en-US" dirty="0"/>
           </a:p>
@@ -3979,7 +3979,7 @@
           <a:p>
             <a:fld id="{48A87A34-81AB-432B-8DAE-1953F412C126}" type="datetimeFigureOut">
               <a:rPr lang="en-US" dirty="0"/>
-              <a:t>12/25/2020</a:t>
+              <a:t>9/19/2022</a:t>
             </a:fld>
             <a:endParaRPr lang="en-US" dirty="0"/>
           </a:p>
@@ -4353,7 +4353,7 @@
           <a:p>
             <a:fld id="{48A87A34-81AB-432B-8DAE-1953F412C126}" type="datetimeFigureOut">
               <a:rPr lang="en-US" dirty="0"/>
-              <a:t>12/25/2020</a:t>
+              <a:t>9/19/2022</a:t>
             </a:fld>
             <a:endParaRPr lang="en-US" dirty="0"/>
           </a:p>
@@ -4466,7 +4466,7 @@
           <a:p>
             <a:fld id="{48A87A34-81AB-432B-8DAE-1953F412C126}" type="datetimeFigureOut">
               <a:rPr lang="en-US" dirty="0"/>
-              <a:t>12/25/2020</a:t>
+              <a:t>9/19/2022</a:t>
             </a:fld>
             <a:endParaRPr lang="en-US" dirty="0"/>
           </a:p>
@@ -4556,7 +4556,7 @@
           <a:p>
             <a:fld id="{48A87A34-81AB-432B-8DAE-1953F412C126}" type="datetimeFigureOut">
               <a:rPr lang="en-US" dirty="0"/>
-              <a:t>12/25/2020</a:t>
+              <a:t>9/19/2022</a:t>
             </a:fld>
             <a:endParaRPr lang="en-US" dirty="0"/>
           </a:p>
@@ -4800,7 +4800,7 @@
           <a:p>
             <a:fld id="{48A87A34-81AB-432B-8DAE-1953F412C126}" type="datetimeFigureOut">
               <a:rPr lang="en-US" dirty="0"/>
-              <a:t>12/25/2020</a:t>
+              <a:t>9/19/2022</a:t>
             </a:fld>
             <a:endParaRPr lang="en-US" dirty="0"/>
           </a:p>
@@ -5052,7 +5052,7 @@
           <a:p>
             <a:fld id="{48A87A34-81AB-432B-8DAE-1953F412C126}" type="datetimeFigureOut">
               <a:rPr lang="en-US" dirty="0"/>
-              <a:t>12/25/2020</a:t>
+              <a:t>9/19/2022</a:t>
             </a:fld>
             <a:endParaRPr lang="en-US" dirty="0"/>
           </a:p>
@@ -5291,7 +5291,7 @@
             <a:fld id="{48A87A34-81AB-432B-8DAE-1953F412C126}" type="datetimeFigureOut">
               <a:rPr lang="en-US" dirty="0"/>
               <a:pPr/>
-              <a:t>12/25/2020</a:t>
+              <a:t>9/19/2022</a:t>
             </a:fld>
             <a:endParaRPr lang="en-US" dirty="0"/>
           </a:p>
@@ -5739,7 +5739,7 @@
             </a:pPr>
             <a:fld id="{4844D8D4-723F-40A6-B98F-A2C2312E33A8}" type="datetime5">
               <a:rPr lang="zh-TW" altLang="en-US" smtClean="0"/>
-              <a:t>2020年12月25日星期五</a:t>
+              <a:t>2022年9月19日星期一</a:t>
             </a:fld>
             <a:endParaRPr lang="zh-TW" altLang="en-US" dirty="0"/>
           </a:p>
@@ -12868,8 +12868,12 @@
           <a:p>
             <a:pPr lvl="1"/>
             <a:r>
+              <a:rPr lang="zh-TW" altLang="en-US" dirty="0" smtClean="0"/>
+              <a:t>水平捲動配置</a:t>
+            </a:r>
+            <a:r>
               <a:rPr lang="zh-TW" altLang="en-US" dirty="0"/>
-              <a:t>水平配置：同上，還加了</a:t>
+              <a:t>：同上，還加了</a:t>
             </a:r>
             <a:r>
               <a:rPr lang="zh-TW" altLang="en-US" dirty="0" smtClean="0"/>
@@ -12896,12 +12900,8 @@
           <a:p>
             <a:pPr lvl="1"/>
             <a:r>
-              <a:rPr lang="zh-TW" altLang="en-US" dirty="0"/>
-              <a:t>垂直</a:t>
-            </a:r>
-            <a:r>
-              <a:rPr lang="zh-TW" altLang="en-US" dirty="0" smtClean="0"/>
-              <a:t>配置</a:t>
+              <a:rPr lang="zh-TW" altLang="en-US" dirty="0" smtClean="0"/>
+              <a:t>垂直捲動配置</a:t>
             </a:r>
             <a:r>
               <a:rPr lang="zh-TW" altLang="en-US" dirty="0"/>
